--- a/Presentation/week2-architecture/NP-group3-Caro-week2.pptx
+++ b/Presentation/week2-architecture/NP-group3-Caro-week2.pptx
@@ -5,7 +5,7 @@
     <p:sldMasterId id="2147483673" r:id="rId1"/>
   </p:sldMasterIdLst>
   <p:notesMasterIdLst>
-    <p:notesMasterId r:id="rId15"/>
+    <p:notesMasterId r:id="rId17"/>
   </p:notesMasterIdLst>
   <p:sldIdLst>
     <p:sldId id="256" r:id="rId2"/>
@@ -15,27 +15,29 @@
     <p:sldId id="262" r:id="rId6"/>
     <p:sldId id="278" r:id="rId7"/>
     <p:sldId id="279" r:id="rId8"/>
-    <p:sldId id="280" r:id="rId9"/>
-    <p:sldId id="281" r:id="rId10"/>
-    <p:sldId id="282" r:id="rId11"/>
-    <p:sldId id="283" r:id="rId12"/>
-    <p:sldId id="284" r:id="rId13"/>
-    <p:sldId id="277" r:id="rId14"/>
+    <p:sldId id="285" r:id="rId9"/>
+    <p:sldId id="280" r:id="rId10"/>
+    <p:sldId id="281" r:id="rId11"/>
+    <p:sldId id="282" r:id="rId12"/>
+    <p:sldId id="283" r:id="rId13"/>
+    <p:sldId id="286" r:id="rId14"/>
+    <p:sldId id="284" r:id="rId15"/>
+    <p:sldId id="277" r:id="rId16"/>
   </p:sldIdLst>
   <p:sldSz cx="9144000" cy="5143500" type="screen16x9"/>
   <p:notesSz cx="6858000" cy="9144000"/>
   <p:embeddedFontLst>
     <p:embeddedFont>
       <p:font typeface="Hind Siliguri" panose="020B0604020202020204" charset="0"/>
-      <p:regular r:id="rId16"/>
-      <p:bold r:id="rId17"/>
+      <p:regular r:id="rId18"/>
+      <p:bold r:id="rId19"/>
     </p:embeddedFont>
     <p:embeddedFont>
       <p:font typeface="Lato" panose="020B0604020202020204" charset="0"/>
-      <p:regular r:id="rId18"/>
-      <p:bold r:id="rId19"/>
-      <p:italic r:id="rId20"/>
-      <p:boldItalic r:id="rId21"/>
+      <p:regular r:id="rId20"/>
+      <p:bold r:id="rId21"/>
+      <p:italic r:id="rId22"/>
+      <p:boldItalic r:id="rId23"/>
     </p:embeddedFont>
   </p:embeddedFontLst>
   <p:defaultTextStyle>
@@ -18569,6 +18571,133 @@
           <a:chExt cx="0" cy="0"/>
         </a:xfrm>
       </p:grpSpPr>
+      <p:sp>
+        <p:nvSpPr>
+          <p:cNvPr id="2" name="Title 1">
+            <a:extLst>
+              <a:ext uri="{FF2B5EF4-FFF2-40B4-BE49-F238E27FC236}">
+                <a16:creationId xmlns:a16="http://schemas.microsoft.com/office/drawing/2014/main" id="{E37FEC9E-5459-483A-AC85-C4740C54C207}"/>
+              </a:ext>
+            </a:extLst>
+          </p:cNvPr>
+          <p:cNvSpPr>
+            <a:spLocks noGrp="1"/>
+          </p:cNvSpPr>
+          <p:nvPr>
+            <p:ph type="title"/>
+          </p:nvPr>
+        </p:nvSpPr>
+        <p:spPr>
+          <a:xfrm>
+            <a:off x="4416354" y="0"/>
+            <a:ext cx="4727646" cy="572700"/>
+          </a:xfrm>
+        </p:spPr>
+        <p:txBody>
+          <a:bodyPr/>
+          <a:lstStyle/>
+          <a:p>
+            <a:r>
+              <a:rPr lang="en-US" dirty="0"/>
+              <a:t>Application Protocol Design</a:t>
+            </a:r>
+            <a:br>
+              <a:rPr lang="en-US" dirty="0"/>
+            </a:br>
+            <a:endParaRPr lang="en-US" dirty="0"/>
+          </a:p>
+        </p:txBody>
+      </p:sp>
+      <p:pic>
+        <p:nvPicPr>
+          <p:cNvPr id="4" name="Picture 3">
+            <a:extLst>
+              <a:ext uri="{FF2B5EF4-FFF2-40B4-BE49-F238E27FC236}">
+                <a16:creationId xmlns:a16="http://schemas.microsoft.com/office/drawing/2014/main" id="{C4B629E2-7F6C-4129-ADAA-C613561E9EB3}"/>
+              </a:ext>
+            </a:extLst>
+          </p:cNvPr>
+          <p:cNvPicPr>
+            <a:picLocks noChangeAspect="1"/>
+          </p:cNvPicPr>
+          <p:nvPr/>
+        </p:nvPicPr>
+        <p:blipFill>
+          <a:blip r:embed="rId2"/>
+          <a:stretch>
+            <a:fillRect/>
+          </a:stretch>
+        </p:blipFill>
+        <p:spPr>
+          <a:xfrm>
+            <a:off x="0" y="0"/>
+            <a:ext cx="3821749" cy="5143500"/>
+          </a:xfrm>
+          <a:prstGeom prst="rect">
+            <a:avLst/>
+          </a:prstGeom>
+        </p:spPr>
+      </p:pic>
+      <p:pic>
+        <p:nvPicPr>
+          <p:cNvPr id="6" name="Picture 5">
+            <a:extLst>
+              <a:ext uri="{FF2B5EF4-FFF2-40B4-BE49-F238E27FC236}">
+                <a16:creationId xmlns:a16="http://schemas.microsoft.com/office/drawing/2014/main" id="{C322EC95-ECA8-4F12-B646-97414461CBFB}"/>
+              </a:ext>
+            </a:extLst>
+          </p:cNvPr>
+          <p:cNvPicPr>
+            <a:picLocks noChangeAspect="1"/>
+          </p:cNvPicPr>
+          <p:nvPr/>
+        </p:nvPicPr>
+        <p:blipFill>
+          <a:blip r:embed="rId3"/>
+          <a:stretch>
+            <a:fillRect/>
+          </a:stretch>
+        </p:blipFill>
+        <p:spPr>
+          <a:xfrm>
+            <a:off x="4372577" y="642146"/>
+            <a:ext cx="4602612" cy="4501354"/>
+          </a:xfrm>
+          <a:prstGeom prst="rect">
+            <a:avLst/>
+          </a:prstGeom>
+        </p:spPr>
+      </p:pic>
+    </p:spTree>
+    <p:extLst>
+      <p:ext uri="{BB962C8B-B14F-4D97-AF65-F5344CB8AC3E}">
+        <p14:creationId xmlns:p14="http://schemas.microsoft.com/office/powerpoint/2010/main" val="1468042871"/>
+      </p:ext>
+    </p:extLst>
+  </p:cSld>
+  <p:clrMapOvr>
+    <a:masterClrMapping/>
+  </p:clrMapOvr>
+</p:sld>
+</file>
+
+<file path=ppt/slides/slide11.xml><?xml version="1.0" encoding="utf-8"?>
+<p:sld xmlns:a="http://schemas.openxmlformats.org/drawingml/2006/main" xmlns:r="http://schemas.openxmlformats.org/officeDocument/2006/relationships" xmlns:p="http://schemas.openxmlformats.org/presentationml/2006/main">
+  <p:cSld>
+    <p:spTree>
+      <p:nvGrpSpPr>
+        <p:cNvPr id="1" name=""/>
+        <p:cNvGrpSpPr/>
+        <p:nvPr/>
+      </p:nvGrpSpPr>
+      <p:grpSpPr>
+        <a:xfrm>
+          <a:off x="0" y="0"/>
+          <a:ext cx="0" cy="0"/>
+          <a:chOff x="0" y="0"/>
+          <a:chExt cx="0" cy="0"/>
+        </a:xfrm>
+      </p:grpSpPr>
       <p:pic>
         <p:nvPicPr>
           <p:cNvPr id="5" name="Picture 4">
@@ -18642,7 +18771,7 @@
 </p:sld>
 </file>
 
-<file path=ppt/slides/slide11.xml><?xml version="1.0" encoding="utf-8"?>
+<file path=ppt/slides/slide12.xml><?xml version="1.0" encoding="utf-8"?>
 <p:sld xmlns:a="http://schemas.openxmlformats.org/drawingml/2006/main" xmlns:r="http://schemas.openxmlformats.org/officeDocument/2006/relationships" xmlns:p="http://schemas.openxmlformats.org/presentationml/2006/main">
   <p:cSld>
     <p:spTree>
@@ -18733,7 +18862,7 @@
         </p:nvSpPr>
         <p:spPr>
           <a:xfrm>
-            <a:off x="5479365" y="234276"/>
+            <a:off x="4377829" y="532752"/>
             <a:ext cx="2328203" cy="400110"/>
           </a:xfrm>
           <a:prstGeom prst="rect">
@@ -18754,6 +18883,43 @@
           </a:p>
         </p:txBody>
       </p:sp>
+      <p:sp>
+        <p:nvSpPr>
+          <p:cNvPr id="5" name="Title 1">
+            <a:extLst>
+              <a:ext uri="{FF2B5EF4-FFF2-40B4-BE49-F238E27FC236}">
+                <a16:creationId xmlns:a16="http://schemas.microsoft.com/office/drawing/2014/main" id="{D23EF2AC-4B72-46EF-9241-E0DFA042B2C7}"/>
+              </a:ext>
+            </a:extLst>
+          </p:cNvPr>
+          <p:cNvSpPr>
+            <a:spLocks noGrp="1"/>
+          </p:cNvSpPr>
+          <p:nvPr>
+            <p:ph type="title"/>
+          </p:nvPr>
+        </p:nvSpPr>
+        <p:spPr>
+          <a:xfrm>
+            <a:off x="4377829" y="0"/>
+            <a:ext cx="4727646" cy="400110"/>
+          </a:xfrm>
+        </p:spPr>
+        <p:txBody>
+          <a:bodyPr/>
+          <a:lstStyle/>
+          <a:p>
+            <a:r>
+              <a:rPr lang="en-US" dirty="0"/>
+              <a:t>Application Protocol Design</a:t>
+            </a:r>
+            <a:br>
+              <a:rPr lang="en-US" dirty="0"/>
+            </a:br>
+            <a:endParaRPr lang="en-US" dirty="0"/>
+          </a:p>
+        </p:txBody>
+      </p:sp>
     </p:spTree>
     <p:extLst>
       <p:ext uri="{BB962C8B-B14F-4D97-AF65-F5344CB8AC3E}">
@@ -18767,7 +18933,139 @@
 </p:sld>
 </file>
 
-<file path=ppt/slides/slide12.xml><?xml version="1.0" encoding="utf-8"?>
+<file path=ppt/slides/slide13.xml><?xml version="1.0" encoding="utf-8"?>
+<p:sld xmlns:a="http://schemas.openxmlformats.org/drawingml/2006/main" xmlns:r="http://schemas.openxmlformats.org/officeDocument/2006/relationships" xmlns:p="http://schemas.openxmlformats.org/presentationml/2006/main">
+  <p:cSld>
+    <p:spTree>
+      <p:nvGrpSpPr>
+        <p:cNvPr id="1" name=""/>
+        <p:cNvGrpSpPr/>
+        <p:nvPr/>
+      </p:nvGrpSpPr>
+      <p:grpSpPr>
+        <a:xfrm>
+          <a:off x="0" y="0"/>
+          <a:ext cx="0" cy="0"/>
+          <a:chOff x="0" y="0"/>
+          <a:chExt cx="0" cy="0"/>
+        </a:xfrm>
+      </p:grpSpPr>
+      <p:pic>
+        <p:nvPicPr>
+          <p:cNvPr id="6" name="Picture 5">
+            <a:extLst>
+              <a:ext uri="{FF2B5EF4-FFF2-40B4-BE49-F238E27FC236}">
+                <a16:creationId xmlns:a16="http://schemas.microsoft.com/office/drawing/2014/main" id="{73B4F398-E8F3-4C0D-A2E5-6BD64C735FE8}"/>
+              </a:ext>
+            </a:extLst>
+          </p:cNvPr>
+          <p:cNvPicPr>
+            <a:picLocks noChangeAspect="1"/>
+          </p:cNvPicPr>
+          <p:nvPr/>
+        </p:nvPicPr>
+        <p:blipFill>
+          <a:blip r:embed="rId2"/>
+          <a:stretch>
+            <a:fillRect/>
+          </a:stretch>
+        </p:blipFill>
+        <p:spPr>
+          <a:xfrm>
+            <a:off x="0" y="37387"/>
+            <a:ext cx="6106377" cy="5106113"/>
+          </a:xfrm>
+          <a:prstGeom prst="rect">
+            <a:avLst/>
+          </a:prstGeom>
+        </p:spPr>
+      </p:pic>
+      <p:sp>
+        <p:nvSpPr>
+          <p:cNvPr id="5" name="Title 1">
+            <a:extLst>
+              <a:ext uri="{FF2B5EF4-FFF2-40B4-BE49-F238E27FC236}">
+                <a16:creationId xmlns:a16="http://schemas.microsoft.com/office/drawing/2014/main" id="{673D8C7E-8D4E-43D8-92A9-BA7CB37DF2BE}"/>
+              </a:ext>
+            </a:extLst>
+          </p:cNvPr>
+          <p:cNvSpPr>
+            <a:spLocks noGrp="1"/>
+          </p:cNvSpPr>
+          <p:nvPr>
+            <p:ph type="title"/>
+          </p:nvPr>
+        </p:nvSpPr>
+        <p:spPr>
+          <a:xfrm>
+            <a:off x="6106376" y="-1"/>
+            <a:ext cx="3037623" cy="1041009"/>
+          </a:xfrm>
+        </p:spPr>
+        <p:txBody>
+          <a:bodyPr/>
+          <a:lstStyle/>
+          <a:p>
+            <a:r>
+              <a:rPr lang="en-US" dirty="0"/>
+              <a:t>Application Protocol Design</a:t>
+            </a:r>
+            <a:br>
+              <a:rPr lang="en-US" dirty="0"/>
+            </a:br>
+            <a:endParaRPr lang="en-US" dirty="0"/>
+          </a:p>
+        </p:txBody>
+      </p:sp>
+      <p:sp>
+        <p:nvSpPr>
+          <p:cNvPr id="9" name="TextBox 8">
+            <a:extLst>
+              <a:ext uri="{FF2B5EF4-FFF2-40B4-BE49-F238E27FC236}">
+                <a16:creationId xmlns:a16="http://schemas.microsoft.com/office/drawing/2014/main" id="{3A76B523-278E-4669-9270-DBDDF8AA2046}"/>
+              </a:ext>
+            </a:extLst>
+          </p:cNvPr>
+          <p:cNvSpPr txBox="1"/>
+          <p:nvPr/>
+        </p:nvSpPr>
+        <p:spPr>
+          <a:xfrm>
+            <a:off x="6248833" y="1411983"/>
+            <a:ext cx="2328203" cy="400110"/>
+          </a:xfrm>
+          <a:prstGeom prst="rect">
+            <a:avLst/>
+          </a:prstGeom>
+          <a:noFill/>
+        </p:spPr>
+        <p:txBody>
+          <a:bodyPr wrap="square">
+            <a:spAutoFit/>
+          </a:bodyPr>
+          <a:lstStyle/>
+          <a:p>
+            <a:r>
+              <a:rPr lang="en-US" sz="2000" dirty="0"/>
+              <a:t>Chat</a:t>
+            </a:r>
+          </a:p>
+        </p:txBody>
+      </p:sp>
+    </p:spTree>
+    <p:extLst>
+      <p:ext uri="{BB962C8B-B14F-4D97-AF65-F5344CB8AC3E}">
+        <p14:creationId xmlns:p14="http://schemas.microsoft.com/office/powerpoint/2010/main" val="633345793"/>
+      </p:ext>
+    </p:extLst>
+  </p:cSld>
+  <p:clrMapOvr>
+    <a:masterClrMapping/>
+  </p:clrMapOvr>
+</p:sld>
+</file>
+
+<file path=ppt/slides/slide14.xml><?xml version="1.0" encoding="utf-8"?>
 <p:sld xmlns:a="http://schemas.openxmlformats.org/drawingml/2006/main" xmlns:r="http://schemas.openxmlformats.org/officeDocument/2006/relationships" xmlns:p="http://schemas.openxmlformats.org/presentationml/2006/main">
   <p:cSld>
     <p:spTree>
@@ -18834,7 +19132,7 @@
 </p:sld>
 </file>
 
-<file path=ppt/slides/slide13.xml><?xml version="1.0" encoding="utf-8"?>
+<file path=ppt/slides/slide15.xml><?xml version="1.0" encoding="utf-8"?>
 <p:sld xmlns:a="http://schemas.openxmlformats.org/drawingml/2006/main" xmlns:r="http://schemas.openxmlformats.org/officeDocument/2006/relationships" xmlns:p="http://schemas.openxmlformats.org/presentationml/2006/main">
   <p:cSld>
     <p:spTree>
@@ -33673,7 +33971,7 @@
         <p:spPr>
           <a:xfrm>
             <a:off x="2848256" y="10697"/>
-            <a:ext cx="3447487" cy="527819"/>
+            <a:ext cx="3672119" cy="527819"/>
           </a:xfrm>
         </p:spPr>
         <p:txBody>
@@ -33682,8 +33980,12 @@
           <a:p>
             <a:r>
               <a:rPr lang="en-US" dirty="0"/>
-              <a:t>Architecture - Main</a:t>
+              <a:t>State machine – Main</a:t>
             </a:r>
+            <a:br>
+              <a:rPr lang="en-US" dirty="0"/>
+            </a:br>
+            <a:endParaRPr lang="en-US" dirty="0"/>
           </a:p>
         </p:txBody>
       </p:sp>
@@ -34344,8 +34646,8 @@
         </p:blipFill>
         <p:spPr>
           <a:xfrm>
-            <a:off x="0" y="400929"/>
-            <a:ext cx="9144000" cy="4742571"/>
+            <a:off x="0" y="407963"/>
+            <a:ext cx="9144000" cy="4735537"/>
           </a:xfrm>
           <a:prstGeom prst="rect">
             <a:avLst/>
@@ -34380,7 +34682,7 @@
           <a:p>
             <a:r>
               <a:rPr lang="en-US" dirty="0"/>
-              <a:t>Architecture – In-game</a:t>
+              <a:t>State machine – In-game</a:t>
             </a:r>
           </a:p>
         </p:txBody>
@@ -34974,6 +35276,674 @@
 </file>
 
 <file path=ppt/slides/slide8.xml><?xml version="1.0" encoding="utf-8"?>
+<p:sld xmlns:a="http://schemas.openxmlformats.org/drawingml/2006/main" xmlns:r="http://schemas.openxmlformats.org/officeDocument/2006/relationships" xmlns:p="http://schemas.openxmlformats.org/presentationml/2006/main">
+  <p:cSld>
+    <p:spTree>
+      <p:nvGrpSpPr>
+        <p:cNvPr id="1" name=""/>
+        <p:cNvGrpSpPr/>
+        <p:nvPr/>
+      </p:nvGrpSpPr>
+      <p:grpSpPr>
+        <a:xfrm>
+          <a:off x="0" y="0"/>
+          <a:ext cx="0" cy="0"/>
+          <a:chOff x="0" y="0"/>
+          <a:chExt cx="0" cy="0"/>
+        </a:xfrm>
+      </p:grpSpPr>
+      <p:pic>
+        <p:nvPicPr>
+          <p:cNvPr id="5" name="Picture 4">
+            <a:extLst>
+              <a:ext uri="{FF2B5EF4-FFF2-40B4-BE49-F238E27FC236}">
+                <a16:creationId xmlns:a16="http://schemas.microsoft.com/office/drawing/2014/main" id="{7C555B75-F047-4374-B797-3B768BCBEE80}"/>
+              </a:ext>
+            </a:extLst>
+          </p:cNvPr>
+          <p:cNvPicPr>
+            <a:picLocks noChangeAspect="1"/>
+          </p:cNvPicPr>
+          <p:nvPr/>
+        </p:nvPicPr>
+        <p:blipFill>
+          <a:blip r:embed="rId2"/>
+          <a:stretch>
+            <a:fillRect/>
+          </a:stretch>
+        </p:blipFill>
+        <p:spPr>
+          <a:xfrm>
+            <a:off x="0" y="0"/>
+            <a:ext cx="9143999" cy="5143500"/>
+          </a:xfrm>
+          <a:prstGeom prst="rect">
+            <a:avLst/>
+          </a:prstGeom>
+        </p:spPr>
+      </p:pic>
+      <p:sp>
+        <p:nvSpPr>
+          <p:cNvPr id="2" name="Title 1">
+            <a:extLst>
+              <a:ext uri="{FF2B5EF4-FFF2-40B4-BE49-F238E27FC236}">
+                <a16:creationId xmlns:a16="http://schemas.microsoft.com/office/drawing/2014/main" id="{4DDEEFB8-AA51-4E8F-A535-5478E5B5C263}"/>
+              </a:ext>
+            </a:extLst>
+          </p:cNvPr>
+          <p:cNvSpPr>
+            <a:spLocks noGrp="1"/>
+          </p:cNvSpPr>
+          <p:nvPr>
+            <p:ph type="title"/>
+          </p:nvPr>
+        </p:nvSpPr>
+        <p:spPr>
+          <a:xfrm>
+            <a:off x="2335011" y="0"/>
+            <a:ext cx="4741264" cy="527819"/>
+          </a:xfrm>
+        </p:spPr>
+        <p:txBody>
+          <a:bodyPr/>
+          <a:lstStyle/>
+          <a:p>
+            <a:r>
+              <a:rPr lang="en-US" dirty="0"/>
+              <a:t>State machine – Chat</a:t>
+            </a:r>
+          </a:p>
+        </p:txBody>
+      </p:sp>
+      <p:sp>
+        <p:nvSpPr>
+          <p:cNvPr id="11" name="Title 1">
+            <a:extLst>
+              <a:ext uri="{FF2B5EF4-FFF2-40B4-BE49-F238E27FC236}">
+                <a16:creationId xmlns:a16="http://schemas.microsoft.com/office/drawing/2014/main" id="{9694E8FD-F533-487F-AB6A-AC07CD454B19}"/>
+              </a:ext>
+            </a:extLst>
+          </p:cNvPr>
+          <p:cNvSpPr txBox="1">
+            <a:spLocks/>
+          </p:cNvSpPr>
+          <p:nvPr/>
+        </p:nvSpPr>
+        <p:spPr>
+          <a:xfrm>
+            <a:off x="236355" y="538516"/>
+            <a:ext cx="952366" cy="347749"/>
+          </a:xfrm>
+          <a:prstGeom prst="rect">
+            <a:avLst/>
+          </a:prstGeom>
+          <a:noFill/>
+          <a:ln>
+            <a:noFill/>
+          </a:ln>
+        </p:spPr>
+        <p:txBody>
+          <a:bodyPr spcFirstLastPara="1" wrap="square" lIns="91425" tIns="91425" rIns="91425" bIns="91425" anchor="t" anchorCtr="0">
+            <a:noAutofit/>
+          </a:bodyPr>
+          <a:lstStyle>
+            <a:defPPr marR="0" lvl="0" algn="l" rtl="0">
+              <a:lnSpc>
+                <a:spcPct val="100000"/>
+              </a:lnSpc>
+              <a:spcBef>
+                <a:spcPts val="0"/>
+              </a:spcBef>
+              <a:spcAft>
+                <a:spcPts val="0"/>
+              </a:spcAft>
+            </a:defPPr>
+            <a:lvl1pPr marR="0" lvl="0" algn="l" rtl="0">
+              <a:lnSpc>
+                <a:spcPct val="100000"/>
+              </a:lnSpc>
+              <a:spcBef>
+                <a:spcPts val="0"/>
+              </a:spcBef>
+              <a:spcAft>
+                <a:spcPts val="0"/>
+              </a:spcAft>
+              <a:buClr>
+                <a:schemeClr val="dk1"/>
+              </a:buClr>
+              <a:buSzPts val="2800"/>
+              <a:buFont typeface="Hind Siliguri"/>
+              <a:buNone/>
+              <a:defRPr sz="2800" b="1" i="0" u="none" strike="noStrike" cap="none">
+                <a:solidFill>
+                  <a:schemeClr val="dk1"/>
+                </a:solidFill>
+                <a:latin typeface="Hind Siliguri"/>
+                <a:ea typeface="Hind Siliguri"/>
+                <a:cs typeface="Hind Siliguri"/>
+                <a:sym typeface="Hind Siliguri"/>
+              </a:defRPr>
+            </a:lvl1pPr>
+            <a:lvl2pPr marR="0" lvl="1" algn="l" rtl="0">
+              <a:lnSpc>
+                <a:spcPct val="100000"/>
+              </a:lnSpc>
+              <a:spcBef>
+                <a:spcPts val="0"/>
+              </a:spcBef>
+              <a:spcAft>
+                <a:spcPts val="0"/>
+              </a:spcAft>
+              <a:buClr>
+                <a:schemeClr val="dk1"/>
+              </a:buClr>
+              <a:buSzPts val="2800"/>
+              <a:buFont typeface="Hind Siliguri"/>
+              <a:buNone/>
+              <a:defRPr sz="2800" b="1" i="0" u="none" strike="noStrike" cap="none">
+                <a:solidFill>
+                  <a:schemeClr val="dk1"/>
+                </a:solidFill>
+                <a:latin typeface="Hind Siliguri"/>
+                <a:ea typeface="Hind Siliguri"/>
+                <a:cs typeface="Hind Siliguri"/>
+                <a:sym typeface="Hind Siliguri"/>
+              </a:defRPr>
+            </a:lvl2pPr>
+            <a:lvl3pPr marR="0" lvl="2" algn="l" rtl="0">
+              <a:lnSpc>
+                <a:spcPct val="100000"/>
+              </a:lnSpc>
+              <a:spcBef>
+                <a:spcPts val="0"/>
+              </a:spcBef>
+              <a:spcAft>
+                <a:spcPts val="0"/>
+              </a:spcAft>
+              <a:buClr>
+                <a:schemeClr val="dk1"/>
+              </a:buClr>
+              <a:buSzPts val="2800"/>
+              <a:buFont typeface="Hind Siliguri"/>
+              <a:buNone/>
+              <a:defRPr sz="2800" b="1" i="0" u="none" strike="noStrike" cap="none">
+                <a:solidFill>
+                  <a:schemeClr val="dk1"/>
+                </a:solidFill>
+                <a:latin typeface="Hind Siliguri"/>
+                <a:ea typeface="Hind Siliguri"/>
+                <a:cs typeface="Hind Siliguri"/>
+                <a:sym typeface="Hind Siliguri"/>
+              </a:defRPr>
+            </a:lvl3pPr>
+            <a:lvl4pPr marR="0" lvl="3" algn="l" rtl="0">
+              <a:lnSpc>
+                <a:spcPct val="100000"/>
+              </a:lnSpc>
+              <a:spcBef>
+                <a:spcPts val="0"/>
+              </a:spcBef>
+              <a:spcAft>
+                <a:spcPts val="0"/>
+              </a:spcAft>
+              <a:buClr>
+                <a:schemeClr val="dk1"/>
+              </a:buClr>
+              <a:buSzPts val="2800"/>
+              <a:buFont typeface="Hind Siliguri"/>
+              <a:buNone/>
+              <a:defRPr sz="2800" b="1" i="0" u="none" strike="noStrike" cap="none">
+                <a:solidFill>
+                  <a:schemeClr val="dk1"/>
+                </a:solidFill>
+                <a:latin typeface="Hind Siliguri"/>
+                <a:ea typeface="Hind Siliguri"/>
+                <a:cs typeface="Hind Siliguri"/>
+                <a:sym typeface="Hind Siliguri"/>
+              </a:defRPr>
+            </a:lvl4pPr>
+            <a:lvl5pPr marR="0" lvl="4" algn="l" rtl="0">
+              <a:lnSpc>
+                <a:spcPct val="100000"/>
+              </a:lnSpc>
+              <a:spcBef>
+                <a:spcPts val="0"/>
+              </a:spcBef>
+              <a:spcAft>
+                <a:spcPts val="0"/>
+              </a:spcAft>
+              <a:buClr>
+                <a:schemeClr val="dk1"/>
+              </a:buClr>
+              <a:buSzPts val="2800"/>
+              <a:buFont typeface="Hind Siliguri"/>
+              <a:buNone/>
+              <a:defRPr sz="2800" b="1" i="0" u="none" strike="noStrike" cap="none">
+                <a:solidFill>
+                  <a:schemeClr val="dk1"/>
+                </a:solidFill>
+                <a:latin typeface="Hind Siliguri"/>
+                <a:ea typeface="Hind Siliguri"/>
+                <a:cs typeface="Hind Siliguri"/>
+                <a:sym typeface="Hind Siliguri"/>
+              </a:defRPr>
+            </a:lvl5pPr>
+            <a:lvl6pPr marR="0" lvl="5" algn="l" rtl="0">
+              <a:lnSpc>
+                <a:spcPct val="100000"/>
+              </a:lnSpc>
+              <a:spcBef>
+                <a:spcPts val="0"/>
+              </a:spcBef>
+              <a:spcAft>
+                <a:spcPts val="0"/>
+              </a:spcAft>
+              <a:buClr>
+                <a:schemeClr val="dk1"/>
+              </a:buClr>
+              <a:buSzPts val="2800"/>
+              <a:buFont typeface="Hind Siliguri"/>
+              <a:buNone/>
+              <a:defRPr sz="2800" b="1" i="0" u="none" strike="noStrike" cap="none">
+                <a:solidFill>
+                  <a:schemeClr val="dk1"/>
+                </a:solidFill>
+                <a:latin typeface="Hind Siliguri"/>
+                <a:ea typeface="Hind Siliguri"/>
+                <a:cs typeface="Hind Siliguri"/>
+                <a:sym typeface="Hind Siliguri"/>
+              </a:defRPr>
+            </a:lvl6pPr>
+            <a:lvl7pPr marR="0" lvl="6" algn="l" rtl="0">
+              <a:lnSpc>
+                <a:spcPct val="100000"/>
+              </a:lnSpc>
+              <a:spcBef>
+                <a:spcPts val="0"/>
+              </a:spcBef>
+              <a:spcAft>
+                <a:spcPts val="0"/>
+              </a:spcAft>
+              <a:buClr>
+                <a:schemeClr val="dk1"/>
+              </a:buClr>
+              <a:buSzPts val="2800"/>
+              <a:buFont typeface="Hind Siliguri"/>
+              <a:buNone/>
+              <a:defRPr sz="2800" b="1" i="0" u="none" strike="noStrike" cap="none">
+                <a:solidFill>
+                  <a:schemeClr val="dk1"/>
+                </a:solidFill>
+                <a:latin typeface="Hind Siliguri"/>
+                <a:ea typeface="Hind Siliguri"/>
+                <a:cs typeface="Hind Siliguri"/>
+                <a:sym typeface="Hind Siliguri"/>
+              </a:defRPr>
+            </a:lvl7pPr>
+            <a:lvl8pPr marR="0" lvl="7" algn="l" rtl="0">
+              <a:lnSpc>
+                <a:spcPct val="100000"/>
+              </a:lnSpc>
+              <a:spcBef>
+                <a:spcPts val="0"/>
+              </a:spcBef>
+              <a:spcAft>
+                <a:spcPts val="0"/>
+              </a:spcAft>
+              <a:buClr>
+                <a:schemeClr val="dk1"/>
+              </a:buClr>
+              <a:buSzPts val="2800"/>
+              <a:buFont typeface="Hind Siliguri"/>
+              <a:buNone/>
+              <a:defRPr sz="2800" b="1" i="0" u="none" strike="noStrike" cap="none">
+                <a:solidFill>
+                  <a:schemeClr val="dk1"/>
+                </a:solidFill>
+                <a:latin typeface="Hind Siliguri"/>
+                <a:ea typeface="Hind Siliguri"/>
+                <a:cs typeface="Hind Siliguri"/>
+                <a:sym typeface="Hind Siliguri"/>
+              </a:defRPr>
+            </a:lvl8pPr>
+            <a:lvl9pPr marR="0" lvl="8" algn="l" rtl="0">
+              <a:lnSpc>
+                <a:spcPct val="100000"/>
+              </a:lnSpc>
+              <a:spcBef>
+                <a:spcPts val="0"/>
+              </a:spcBef>
+              <a:spcAft>
+                <a:spcPts val="0"/>
+              </a:spcAft>
+              <a:buClr>
+                <a:schemeClr val="dk1"/>
+              </a:buClr>
+              <a:buSzPts val="2800"/>
+              <a:buFont typeface="Hind Siliguri"/>
+              <a:buNone/>
+              <a:defRPr sz="2800" b="1" i="0" u="none" strike="noStrike" cap="none">
+                <a:solidFill>
+                  <a:schemeClr val="dk1"/>
+                </a:solidFill>
+                <a:latin typeface="Hind Siliguri"/>
+                <a:ea typeface="Hind Siliguri"/>
+                <a:cs typeface="Hind Siliguri"/>
+                <a:sym typeface="Hind Siliguri"/>
+              </a:defRPr>
+            </a:lvl9pPr>
+          </a:lstStyle>
+          <a:p>
+            <a:r>
+              <a:rPr lang="en-US" sz="1800" dirty="0"/>
+              <a:t>Client</a:t>
+            </a:r>
+          </a:p>
+        </p:txBody>
+      </p:sp>
+      <p:sp>
+        <p:nvSpPr>
+          <p:cNvPr id="12" name="Title 1">
+            <a:extLst>
+              <a:ext uri="{FF2B5EF4-FFF2-40B4-BE49-F238E27FC236}">
+                <a16:creationId xmlns:a16="http://schemas.microsoft.com/office/drawing/2014/main" id="{A83A9763-FAAB-48D2-A28B-546CFCDE3187}"/>
+              </a:ext>
+            </a:extLst>
+          </p:cNvPr>
+          <p:cNvSpPr txBox="1">
+            <a:spLocks/>
+          </p:cNvSpPr>
+          <p:nvPr/>
+        </p:nvSpPr>
+        <p:spPr>
+          <a:xfrm>
+            <a:off x="8191635" y="538516"/>
+            <a:ext cx="952366" cy="347749"/>
+          </a:xfrm>
+          <a:prstGeom prst="rect">
+            <a:avLst/>
+          </a:prstGeom>
+          <a:noFill/>
+          <a:ln>
+            <a:noFill/>
+          </a:ln>
+        </p:spPr>
+        <p:txBody>
+          <a:bodyPr spcFirstLastPara="1" wrap="square" lIns="91425" tIns="91425" rIns="91425" bIns="91425" anchor="t" anchorCtr="0">
+            <a:noAutofit/>
+          </a:bodyPr>
+          <a:lstStyle>
+            <a:defPPr marR="0" lvl="0" algn="l" rtl="0">
+              <a:lnSpc>
+                <a:spcPct val="100000"/>
+              </a:lnSpc>
+              <a:spcBef>
+                <a:spcPts val="0"/>
+              </a:spcBef>
+              <a:spcAft>
+                <a:spcPts val="0"/>
+              </a:spcAft>
+            </a:defPPr>
+            <a:lvl1pPr marR="0" lvl="0" algn="l" rtl="0">
+              <a:lnSpc>
+                <a:spcPct val="100000"/>
+              </a:lnSpc>
+              <a:spcBef>
+                <a:spcPts val="0"/>
+              </a:spcBef>
+              <a:spcAft>
+                <a:spcPts val="0"/>
+              </a:spcAft>
+              <a:buClr>
+                <a:schemeClr val="dk1"/>
+              </a:buClr>
+              <a:buSzPts val="2800"/>
+              <a:buFont typeface="Hind Siliguri"/>
+              <a:buNone/>
+              <a:defRPr sz="2800" b="1" i="0" u="none" strike="noStrike" cap="none">
+                <a:solidFill>
+                  <a:schemeClr val="dk1"/>
+                </a:solidFill>
+                <a:latin typeface="Hind Siliguri"/>
+                <a:ea typeface="Hind Siliguri"/>
+                <a:cs typeface="Hind Siliguri"/>
+                <a:sym typeface="Hind Siliguri"/>
+              </a:defRPr>
+            </a:lvl1pPr>
+            <a:lvl2pPr marR="0" lvl="1" algn="l" rtl="0">
+              <a:lnSpc>
+                <a:spcPct val="100000"/>
+              </a:lnSpc>
+              <a:spcBef>
+                <a:spcPts val="0"/>
+              </a:spcBef>
+              <a:spcAft>
+                <a:spcPts val="0"/>
+              </a:spcAft>
+              <a:buClr>
+                <a:schemeClr val="dk1"/>
+              </a:buClr>
+              <a:buSzPts val="2800"/>
+              <a:buFont typeface="Hind Siliguri"/>
+              <a:buNone/>
+              <a:defRPr sz="2800" b="1" i="0" u="none" strike="noStrike" cap="none">
+                <a:solidFill>
+                  <a:schemeClr val="dk1"/>
+                </a:solidFill>
+                <a:latin typeface="Hind Siliguri"/>
+                <a:ea typeface="Hind Siliguri"/>
+                <a:cs typeface="Hind Siliguri"/>
+                <a:sym typeface="Hind Siliguri"/>
+              </a:defRPr>
+            </a:lvl2pPr>
+            <a:lvl3pPr marR="0" lvl="2" algn="l" rtl="0">
+              <a:lnSpc>
+                <a:spcPct val="100000"/>
+              </a:lnSpc>
+              <a:spcBef>
+                <a:spcPts val="0"/>
+              </a:spcBef>
+              <a:spcAft>
+                <a:spcPts val="0"/>
+              </a:spcAft>
+              <a:buClr>
+                <a:schemeClr val="dk1"/>
+              </a:buClr>
+              <a:buSzPts val="2800"/>
+              <a:buFont typeface="Hind Siliguri"/>
+              <a:buNone/>
+              <a:defRPr sz="2800" b="1" i="0" u="none" strike="noStrike" cap="none">
+                <a:solidFill>
+                  <a:schemeClr val="dk1"/>
+                </a:solidFill>
+                <a:latin typeface="Hind Siliguri"/>
+                <a:ea typeface="Hind Siliguri"/>
+                <a:cs typeface="Hind Siliguri"/>
+                <a:sym typeface="Hind Siliguri"/>
+              </a:defRPr>
+            </a:lvl3pPr>
+            <a:lvl4pPr marR="0" lvl="3" algn="l" rtl="0">
+              <a:lnSpc>
+                <a:spcPct val="100000"/>
+              </a:lnSpc>
+              <a:spcBef>
+                <a:spcPts val="0"/>
+              </a:spcBef>
+              <a:spcAft>
+                <a:spcPts val="0"/>
+              </a:spcAft>
+              <a:buClr>
+                <a:schemeClr val="dk1"/>
+              </a:buClr>
+              <a:buSzPts val="2800"/>
+              <a:buFont typeface="Hind Siliguri"/>
+              <a:buNone/>
+              <a:defRPr sz="2800" b="1" i="0" u="none" strike="noStrike" cap="none">
+                <a:solidFill>
+                  <a:schemeClr val="dk1"/>
+                </a:solidFill>
+                <a:latin typeface="Hind Siliguri"/>
+                <a:ea typeface="Hind Siliguri"/>
+                <a:cs typeface="Hind Siliguri"/>
+                <a:sym typeface="Hind Siliguri"/>
+              </a:defRPr>
+            </a:lvl4pPr>
+            <a:lvl5pPr marR="0" lvl="4" algn="l" rtl="0">
+              <a:lnSpc>
+                <a:spcPct val="100000"/>
+              </a:lnSpc>
+              <a:spcBef>
+                <a:spcPts val="0"/>
+              </a:spcBef>
+              <a:spcAft>
+                <a:spcPts val="0"/>
+              </a:spcAft>
+              <a:buClr>
+                <a:schemeClr val="dk1"/>
+              </a:buClr>
+              <a:buSzPts val="2800"/>
+              <a:buFont typeface="Hind Siliguri"/>
+              <a:buNone/>
+              <a:defRPr sz="2800" b="1" i="0" u="none" strike="noStrike" cap="none">
+                <a:solidFill>
+                  <a:schemeClr val="dk1"/>
+                </a:solidFill>
+                <a:latin typeface="Hind Siliguri"/>
+                <a:ea typeface="Hind Siliguri"/>
+                <a:cs typeface="Hind Siliguri"/>
+                <a:sym typeface="Hind Siliguri"/>
+              </a:defRPr>
+            </a:lvl5pPr>
+            <a:lvl6pPr marR="0" lvl="5" algn="l" rtl="0">
+              <a:lnSpc>
+                <a:spcPct val="100000"/>
+              </a:lnSpc>
+              <a:spcBef>
+                <a:spcPts val="0"/>
+              </a:spcBef>
+              <a:spcAft>
+                <a:spcPts val="0"/>
+              </a:spcAft>
+              <a:buClr>
+                <a:schemeClr val="dk1"/>
+              </a:buClr>
+              <a:buSzPts val="2800"/>
+              <a:buFont typeface="Hind Siliguri"/>
+              <a:buNone/>
+              <a:defRPr sz="2800" b="1" i="0" u="none" strike="noStrike" cap="none">
+                <a:solidFill>
+                  <a:schemeClr val="dk1"/>
+                </a:solidFill>
+                <a:latin typeface="Hind Siliguri"/>
+                <a:ea typeface="Hind Siliguri"/>
+                <a:cs typeface="Hind Siliguri"/>
+                <a:sym typeface="Hind Siliguri"/>
+              </a:defRPr>
+            </a:lvl6pPr>
+            <a:lvl7pPr marR="0" lvl="6" algn="l" rtl="0">
+              <a:lnSpc>
+                <a:spcPct val="100000"/>
+              </a:lnSpc>
+              <a:spcBef>
+                <a:spcPts val="0"/>
+              </a:spcBef>
+              <a:spcAft>
+                <a:spcPts val="0"/>
+              </a:spcAft>
+              <a:buClr>
+                <a:schemeClr val="dk1"/>
+              </a:buClr>
+              <a:buSzPts val="2800"/>
+              <a:buFont typeface="Hind Siliguri"/>
+              <a:buNone/>
+              <a:defRPr sz="2800" b="1" i="0" u="none" strike="noStrike" cap="none">
+                <a:solidFill>
+                  <a:schemeClr val="dk1"/>
+                </a:solidFill>
+                <a:latin typeface="Hind Siliguri"/>
+                <a:ea typeface="Hind Siliguri"/>
+                <a:cs typeface="Hind Siliguri"/>
+                <a:sym typeface="Hind Siliguri"/>
+              </a:defRPr>
+            </a:lvl7pPr>
+            <a:lvl8pPr marR="0" lvl="7" algn="l" rtl="0">
+              <a:lnSpc>
+                <a:spcPct val="100000"/>
+              </a:lnSpc>
+              <a:spcBef>
+                <a:spcPts val="0"/>
+              </a:spcBef>
+              <a:spcAft>
+                <a:spcPts val="0"/>
+              </a:spcAft>
+              <a:buClr>
+                <a:schemeClr val="dk1"/>
+              </a:buClr>
+              <a:buSzPts val="2800"/>
+              <a:buFont typeface="Hind Siliguri"/>
+              <a:buNone/>
+              <a:defRPr sz="2800" b="1" i="0" u="none" strike="noStrike" cap="none">
+                <a:solidFill>
+                  <a:schemeClr val="dk1"/>
+                </a:solidFill>
+                <a:latin typeface="Hind Siliguri"/>
+                <a:ea typeface="Hind Siliguri"/>
+                <a:cs typeface="Hind Siliguri"/>
+                <a:sym typeface="Hind Siliguri"/>
+              </a:defRPr>
+            </a:lvl8pPr>
+            <a:lvl9pPr marR="0" lvl="8" algn="l" rtl="0">
+              <a:lnSpc>
+                <a:spcPct val="100000"/>
+              </a:lnSpc>
+              <a:spcBef>
+                <a:spcPts val="0"/>
+              </a:spcBef>
+              <a:spcAft>
+                <a:spcPts val="0"/>
+              </a:spcAft>
+              <a:buClr>
+                <a:schemeClr val="dk1"/>
+              </a:buClr>
+              <a:buSzPts val="2800"/>
+              <a:buFont typeface="Hind Siliguri"/>
+              <a:buNone/>
+              <a:defRPr sz="2800" b="1" i="0" u="none" strike="noStrike" cap="none">
+                <a:solidFill>
+                  <a:schemeClr val="dk1"/>
+                </a:solidFill>
+                <a:latin typeface="Hind Siliguri"/>
+                <a:ea typeface="Hind Siliguri"/>
+                <a:cs typeface="Hind Siliguri"/>
+                <a:sym typeface="Hind Siliguri"/>
+              </a:defRPr>
+            </a:lvl9pPr>
+          </a:lstStyle>
+          <a:p>
+            <a:r>
+              <a:rPr lang="en-US" sz="1800" dirty="0"/>
+              <a:t>Server</a:t>
+            </a:r>
+          </a:p>
+          <a:p>
+            <a:endParaRPr lang="en-US" sz="1800" dirty="0"/>
+          </a:p>
+        </p:txBody>
+      </p:sp>
+    </p:spTree>
+    <p:extLst>
+      <p:ext uri="{BB962C8B-B14F-4D97-AF65-F5344CB8AC3E}">
+        <p14:creationId xmlns:p14="http://schemas.microsoft.com/office/powerpoint/2010/main" val="583027904"/>
+      </p:ext>
+    </p:extLst>
+  </p:cSld>
+  <p:clrMapOvr>
+    <a:masterClrMapping/>
+  </p:clrMapOvr>
+</p:sld>
+</file>
+
+<file path=ppt/slides/slide9.xml><?xml version="1.0" encoding="utf-8"?>
 <p:sld xmlns:a="http://schemas.openxmlformats.org/drawingml/2006/main" xmlns:r="http://schemas.openxmlformats.org/officeDocument/2006/relationships" xmlns:p="http://schemas.openxmlformats.org/presentationml/2006/main">
   <p:cSld>
     <p:spTree>
@@ -35091,133 +36061,6 @@
     <p:extLst>
       <p:ext uri="{BB962C8B-B14F-4D97-AF65-F5344CB8AC3E}">
         <p14:creationId xmlns:p14="http://schemas.microsoft.com/office/powerpoint/2010/main" val="3677370947"/>
-      </p:ext>
-    </p:extLst>
-  </p:cSld>
-  <p:clrMapOvr>
-    <a:masterClrMapping/>
-  </p:clrMapOvr>
-</p:sld>
-</file>
-
-<file path=ppt/slides/slide9.xml><?xml version="1.0" encoding="utf-8"?>
-<p:sld xmlns:a="http://schemas.openxmlformats.org/drawingml/2006/main" xmlns:r="http://schemas.openxmlformats.org/officeDocument/2006/relationships" xmlns:p="http://schemas.openxmlformats.org/presentationml/2006/main">
-  <p:cSld>
-    <p:spTree>
-      <p:nvGrpSpPr>
-        <p:cNvPr id="1" name=""/>
-        <p:cNvGrpSpPr/>
-        <p:nvPr/>
-      </p:nvGrpSpPr>
-      <p:grpSpPr>
-        <a:xfrm>
-          <a:off x="0" y="0"/>
-          <a:ext cx="0" cy="0"/>
-          <a:chOff x="0" y="0"/>
-          <a:chExt cx="0" cy="0"/>
-        </a:xfrm>
-      </p:grpSpPr>
-      <p:sp>
-        <p:nvSpPr>
-          <p:cNvPr id="2" name="Title 1">
-            <a:extLst>
-              <a:ext uri="{FF2B5EF4-FFF2-40B4-BE49-F238E27FC236}">
-                <a16:creationId xmlns:a16="http://schemas.microsoft.com/office/drawing/2014/main" id="{E37FEC9E-5459-483A-AC85-C4740C54C207}"/>
-              </a:ext>
-            </a:extLst>
-          </p:cNvPr>
-          <p:cNvSpPr>
-            <a:spLocks noGrp="1"/>
-          </p:cNvSpPr>
-          <p:nvPr>
-            <p:ph type="title"/>
-          </p:nvPr>
-        </p:nvSpPr>
-        <p:spPr>
-          <a:xfrm>
-            <a:off x="4416354" y="0"/>
-            <a:ext cx="4727646" cy="572700"/>
-          </a:xfrm>
-        </p:spPr>
-        <p:txBody>
-          <a:bodyPr/>
-          <a:lstStyle/>
-          <a:p>
-            <a:r>
-              <a:rPr lang="en-US" dirty="0"/>
-              <a:t>Application Protocol Design</a:t>
-            </a:r>
-            <a:br>
-              <a:rPr lang="en-US" dirty="0"/>
-            </a:br>
-            <a:endParaRPr lang="en-US" dirty="0"/>
-          </a:p>
-        </p:txBody>
-      </p:sp>
-      <p:pic>
-        <p:nvPicPr>
-          <p:cNvPr id="4" name="Picture 3">
-            <a:extLst>
-              <a:ext uri="{FF2B5EF4-FFF2-40B4-BE49-F238E27FC236}">
-                <a16:creationId xmlns:a16="http://schemas.microsoft.com/office/drawing/2014/main" id="{C4B629E2-7F6C-4129-ADAA-C613561E9EB3}"/>
-              </a:ext>
-            </a:extLst>
-          </p:cNvPr>
-          <p:cNvPicPr>
-            <a:picLocks noChangeAspect="1"/>
-          </p:cNvPicPr>
-          <p:nvPr/>
-        </p:nvPicPr>
-        <p:blipFill>
-          <a:blip r:embed="rId2"/>
-          <a:stretch>
-            <a:fillRect/>
-          </a:stretch>
-        </p:blipFill>
-        <p:spPr>
-          <a:xfrm>
-            <a:off x="0" y="0"/>
-            <a:ext cx="3821749" cy="5143500"/>
-          </a:xfrm>
-          <a:prstGeom prst="rect">
-            <a:avLst/>
-          </a:prstGeom>
-        </p:spPr>
-      </p:pic>
-      <p:pic>
-        <p:nvPicPr>
-          <p:cNvPr id="6" name="Picture 5">
-            <a:extLst>
-              <a:ext uri="{FF2B5EF4-FFF2-40B4-BE49-F238E27FC236}">
-                <a16:creationId xmlns:a16="http://schemas.microsoft.com/office/drawing/2014/main" id="{C322EC95-ECA8-4F12-B646-97414461CBFB}"/>
-              </a:ext>
-            </a:extLst>
-          </p:cNvPr>
-          <p:cNvPicPr>
-            <a:picLocks noChangeAspect="1"/>
-          </p:cNvPicPr>
-          <p:nvPr/>
-        </p:nvPicPr>
-        <p:blipFill>
-          <a:blip r:embed="rId3"/>
-          <a:stretch>
-            <a:fillRect/>
-          </a:stretch>
-        </p:blipFill>
-        <p:spPr>
-          <a:xfrm>
-            <a:off x="4372577" y="642146"/>
-            <a:ext cx="4602612" cy="4501354"/>
-          </a:xfrm>
-          <a:prstGeom prst="rect">
-            <a:avLst/>
-          </a:prstGeom>
-        </p:spPr>
-      </p:pic>
-    </p:spTree>
-    <p:extLst>
-      <p:ext uri="{BB962C8B-B14F-4D97-AF65-F5344CB8AC3E}">
-        <p14:creationId xmlns:p14="http://schemas.microsoft.com/office/powerpoint/2010/main" val="1468042871"/>
       </p:ext>
     </p:extLst>
   </p:cSld>

--- a/Presentation/week2-architecture/NP-group3-Caro-week2.pptx
+++ b/Presentation/week2-architecture/NP-group3-Caro-week2.pptx
@@ -18950,36 +18950,6 @@
           <a:chExt cx="0" cy="0"/>
         </a:xfrm>
       </p:grpSpPr>
-      <p:pic>
-        <p:nvPicPr>
-          <p:cNvPr id="6" name="Picture 5">
-            <a:extLst>
-              <a:ext uri="{FF2B5EF4-FFF2-40B4-BE49-F238E27FC236}">
-                <a16:creationId xmlns:a16="http://schemas.microsoft.com/office/drawing/2014/main" id="{73B4F398-E8F3-4C0D-A2E5-6BD64C735FE8}"/>
-              </a:ext>
-            </a:extLst>
-          </p:cNvPr>
-          <p:cNvPicPr>
-            <a:picLocks noChangeAspect="1"/>
-          </p:cNvPicPr>
-          <p:nvPr/>
-        </p:nvPicPr>
-        <p:blipFill>
-          <a:blip r:embed="rId2"/>
-          <a:stretch>
-            <a:fillRect/>
-          </a:stretch>
-        </p:blipFill>
-        <p:spPr>
-          <a:xfrm>
-            <a:off x="0" y="37387"/>
-            <a:ext cx="6106377" cy="5106113"/>
-          </a:xfrm>
-          <a:prstGeom prst="rect">
-            <a:avLst/>
-          </a:prstGeom>
-        </p:spPr>
-      </p:pic>
       <p:sp>
         <p:nvSpPr>
           <p:cNvPr id="5" name="Title 1">
@@ -18998,8 +18968,8 @@
         </p:nvSpPr>
         <p:spPr>
           <a:xfrm>
-            <a:off x="6106376" y="-1"/>
-            <a:ext cx="3037623" cy="1041009"/>
+            <a:off x="1906172" y="-1"/>
+            <a:ext cx="4839285" cy="455959"/>
           </a:xfrm>
         </p:spPr>
         <p:txBody>
@@ -19017,6 +18987,66 @@
           </a:p>
         </p:txBody>
       </p:sp>
+      <p:pic>
+        <p:nvPicPr>
+          <p:cNvPr id="3" name="Picture 2">
+            <a:extLst>
+              <a:ext uri="{FF2B5EF4-FFF2-40B4-BE49-F238E27FC236}">
+                <a16:creationId xmlns:a16="http://schemas.microsoft.com/office/drawing/2014/main" id="{75346990-20F8-4890-A5A4-971D82DC7B4E}"/>
+              </a:ext>
+            </a:extLst>
+          </p:cNvPr>
+          <p:cNvPicPr>
+            <a:picLocks noChangeAspect="1"/>
+          </p:cNvPicPr>
+          <p:nvPr/>
+        </p:nvPicPr>
+        <p:blipFill>
+          <a:blip r:embed="rId2"/>
+          <a:stretch>
+            <a:fillRect/>
+          </a:stretch>
+        </p:blipFill>
+        <p:spPr>
+          <a:xfrm>
+            <a:off x="1" y="742284"/>
+            <a:ext cx="4473525" cy="4401216"/>
+          </a:xfrm>
+          <a:prstGeom prst="rect">
+            <a:avLst/>
+          </a:prstGeom>
+        </p:spPr>
+      </p:pic>
+      <p:pic>
+        <p:nvPicPr>
+          <p:cNvPr id="7" name="Picture 6">
+            <a:extLst>
+              <a:ext uri="{FF2B5EF4-FFF2-40B4-BE49-F238E27FC236}">
+                <a16:creationId xmlns:a16="http://schemas.microsoft.com/office/drawing/2014/main" id="{782A949B-F09B-4BAD-80BF-13E3256B0C48}"/>
+              </a:ext>
+            </a:extLst>
+          </p:cNvPr>
+          <p:cNvPicPr>
+            <a:picLocks noChangeAspect="1"/>
+          </p:cNvPicPr>
+          <p:nvPr/>
+        </p:nvPicPr>
+        <p:blipFill>
+          <a:blip r:embed="rId3"/>
+          <a:stretch>
+            <a:fillRect/>
+          </a:stretch>
+        </p:blipFill>
+        <p:spPr>
+          <a:xfrm>
+            <a:off x="4473526" y="742284"/>
+            <a:ext cx="4661046" cy="4349463"/>
+          </a:xfrm>
+          <a:prstGeom prst="rect">
+            <a:avLst/>
+          </a:prstGeom>
+        </p:spPr>
+      </p:pic>
       <p:sp>
         <p:nvSpPr>
           <p:cNvPr id="9" name="TextBox 8">
@@ -19031,8 +19061,8 @@
         </p:nvSpPr>
         <p:spPr>
           <a:xfrm>
-            <a:off x="6248833" y="1411983"/>
-            <a:ext cx="2328203" cy="400110"/>
+            <a:off x="3940341" y="490476"/>
+            <a:ext cx="770945" cy="400110"/>
           </a:xfrm>
           <a:prstGeom prst="rect">
             <a:avLst/>
@@ -35294,10 +35324,10 @@
       </p:grpSpPr>
       <p:pic>
         <p:nvPicPr>
-          <p:cNvPr id="5" name="Picture 4">
+          <p:cNvPr id="4" name="Picture 3">
             <a:extLst>
               <a:ext uri="{FF2B5EF4-FFF2-40B4-BE49-F238E27FC236}">
-                <a16:creationId xmlns:a16="http://schemas.microsoft.com/office/drawing/2014/main" id="{7C555B75-F047-4374-B797-3B768BCBEE80}"/>
+                <a16:creationId xmlns:a16="http://schemas.microsoft.com/office/drawing/2014/main" id="{676D0136-0863-4137-98E6-26AC628C6A30}"/>
               </a:ext>
             </a:extLst>
           </p:cNvPr>
@@ -35314,8 +35344,8 @@
         </p:blipFill>
         <p:spPr>
           <a:xfrm>
-            <a:off x="0" y="0"/>
-            <a:ext cx="9143999" cy="5143500"/>
+            <a:off x="0" y="27190"/>
+            <a:ext cx="9144000" cy="5089120"/>
           </a:xfrm>
           <a:prstGeom prst="rect">
             <a:avLst/>
@@ -35340,7 +35370,7 @@
         </p:nvSpPr>
         <p:spPr>
           <a:xfrm>
-            <a:off x="2335011" y="0"/>
+            <a:off x="2677551" y="10697"/>
             <a:ext cx="4741264" cy="527819"/>
           </a:xfrm>
         </p:spPr>
@@ -35371,7 +35401,7 @@
         </p:nvSpPr>
         <p:spPr>
           <a:xfrm>
-            <a:off x="236355" y="538516"/>
+            <a:off x="0" y="510661"/>
             <a:ext cx="952366" cy="347749"/>
           </a:xfrm>
           <a:prstGeom prst="rect">

--- a/Presentation/week2-architecture/NP-group3-Caro-week2.pptx
+++ b/Presentation/week2-architecture/NP-group3-Caro-week2.pptx
@@ -5,7 +5,7 @@
     <p:sldMasterId id="2147483673" r:id="rId1"/>
   </p:sldMasterIdLst>
   <p:notesMasterIdLst>
-    <p:notesMasterId r:id="rId17"/>
+    <p:notesMasterId r:id="rId22"/>
   </p:notesMasterIdLst>
   <p:sldIdLst>
     <p:sldId id="256" r:id="rId2"/>
@@ -22,22 +22,27 @@
     <p:sldId id="283" r:id="rId13"/>
     <p:sldId id="286" r:id="rId14"/>
     <p:sldId id="284" r:id="rId15"/>
-    <p:sldId id="277" r:id="rId16"/>
+    <p:sldId id="287" r:id="rId16"/>
+    <p:sldId id="288" r:id="rId17"/>
+    <p:sldId id="289" r:id="rId18"/>
+    <p:sldId id="290" r:id="rId19"/>
+    <p:sldId id="291" r:id="rId20"/>
+    <p:sldId id="277" r:id="rId21"/>
   </p:sldIdLst>
   <p:sldSz cx="9144000" cy="5143500" type="screen16x9"/>
   <p:notesSz cx="6858000" cy="9144000"/>
   <p:embeddedFontLst>
     <p:embeddedFont>
       <p:font typeface="Hind Siliguri" panose="020B0604020202020204" charset="0"/>
-      <p:regular r:id="rId18"/>
-      <p:bold r:id="rId19"/>
+      <p:regular r:id="rId23"/>
+      <p:bold r:id="rId24"/>
     </p:embeddedFont>
     <p:embeddedFont>
       <p:font typeface="Lato" panose="020B0604020202020204" charset="0"/>
-      <p:regular r:id="rId20"/>
-      <p:bold r:id="rId21"/>
-      <p:italic r:id="rId22"/>
-      <p:boldItalic r:id="rId23"/>
+      <p:regular r:id="rId25"/>
+      <p:bold r:id="rId26"/>
+      <p:italic r:id="rId27"/>
+      <p:boldItalic r:id="rId28"/>
     </p:embeddedFont>
   </p:embeddedFontLst>
   <p:defaultTextStyle>
@@ -19130,7 +19135,7 @@
         </p:nvSpPr>
         <p:spPr>
           <a:xfrm>
-            <a:off x="3466784" y="189914"/>
+            <a:off x="3558675" y="0"/>
             <a:ext cx="2026650" cy="562708"/>
           </a:xfrm>
         </p:spPr>
@@ -19149,6 +19154,36 @@
           </a:p>
         </p:txBody>
       </p:sp>
+      <p:pic>
+        <p:nvPicPr>
+          <p:cNvPr id="4" name="Picture 3">
+            <a:extLst>
+              <a:ext uri="{FF2B5EF4-FFF2-40B4-BE49-F238E27FC236}">
+                <a16:creationId xmlns:a16="http://schemas.microsoft.com/office/drawing/2014/main" id="{BED78706-6326-4636-AA6E-FF0DD0D9253B}"/>
+              </a:ext>
+            </a:extLst>
+          </p:cNvPr>
+          <p:cNvPicPr>
+            <a:picLocks noChangeAspect="1"/>
+          </p:cNvPicPr>
+          <p:nvPr/>
+        </p:nvPicPr>
+        <p:blipFill>
+          <a:blip r:embed="rId2"/>
+          <a:stretch>
+            <a:fillRect/>
+          </a:stretch>
+        </p:blipFill>
+        <p:spPr>
+          <a:xfrm>
+            <a:off x="55374" y="591907"/>
+            <a:ext cx="9033252" cy="4551593"/>
+          </a:xfrm>
+          <a:prstGeom prst="rect">
+            <a:avLst/>
+          </a:prstGeom>
+        </p:spPr>
+      </p:pic>
     </p:spTree>
     <p:extLst>
       <p:ext uri="{BB962C8B-B14F-4D97-AF65-F5344CB8AC3E}">
@@ -19163,6 +19198,1067 @@
 </file>
 
 <file path=ppt/slides/slide15.xml><?xml version="1.0" encoding="utf-8"?>
+<p:sld xmlns:a="http://schemas.openxmlformats.org/drawingml/2006/main" xmlns:r="http://schemas.openxmlformats.org/officeDocument/2006/relationships" xmlns:p="http://schemas.openxmlformats.org/presentationml/2006/main">
+  <p:cSld>
+    <p:spTree>
+      <p:nvGrpSpPr>
+        <p:cNvPr id="1" name=""/>
+        <p:cNvGrpSpPr/>
+        <p:nvPr/>
+      </p:nvGrpSpPr>
+      <p:grpSpPr>
+        <a:xfrm>
+          <a:off x="0" y="0"/>
+          <a:ext cx="0" cy="0"/>
+          <a:chOff x="0" y="0"/>
+          <a:chExt cx="0" cy="0"/>
+        </a:xfrm>
+      </p:grpSpPr>
+      <p:sp>
+        <p:nvSpPr>
+          <p:cNvPr id="2" name="Title 1">
+            <a:extLst>
+              <a:ext uri="{FF2B5EF4-FFF2-40B4-BE49-F238E27FC236}">
+                <a16:creationId xmlns:a16="http://schemas.microsoft.com/office/drawing/2014/main" id="{E37FEC9E-5459-483A-AC85-C4740C54C207}"/>
+              </a:ext>
+            </a:extLst>
+          </p:cNvPr>
+          <p:cNvSpPr>
+            <a:spLocks noGrp="1"/>
+          </p:cNvSpPr>
+          <p:nvPr>
+            <p:ph type="title"/>
+          </p:nvPr>
+        </p:nvSpPr>
+        <p:spPr>
+          <a:xfrm>
+            <a:off x="2834414" y="-7034"/>
+            <a:ext cx="3475171" cy="562708"/>
+          </a:xfrm>
+        </p:spPr>
+        <p:txBody>
+          <a:bodyPr/>
+          <a:lstStyle/>
+          <a:p>
+            <a:r>
+              <a:rPr lang="en-US" dirty="0"/>
+              <a:t>GUI Design (cont.)</a:t>
+            </a:r>
+            <a:br>
+              <a:rPr lang="en-US" dirty="0"/>
+            </a:br>
+            <a:endParaRPr lang="en-US" dirty="0"/>
+          </a:p>
+        </p:txBody>
+      </p:sp>
+      <p:pic>
+        <p:nvPicPr>
+          <p:cNvPr id="5" name="Picture 4">
+            <a:extLst>
+              <a:ext uri="{FF2B5EF4-FFF2-40B4-BE49-F238E27FC236}">
+                <a16:creationId xmlns:a16="http://schemas.microsoft.com/office/drawing/2014/main" id="{7A49E838-B022-4631-AA72-7943D2AD2615}"/>
+              </a:ext>
+            </a:extLst>
+          </p:cNvPr>
+          <p:cNvPicPr>
+            <a:picLocks noChangeAspect="1"/>
+          </p:cNvPicPr>
+          <p:nvPr/>
+        </p:nvPicPr>
+        <p:blipFill>
+          <a:blip r:embed="rId2"/>
+          <a:stretch>
+            <a:fillRect/>
+          </a:stretch>
+        </p:blipFill>
+        <p:spPr>
+          <a:xfrm>
+            <a:off x="0" y="562708"/>
+            <a:ext cx="9144000" cy="4583798"/>
+          </a:xfrm>
+          <a:prstGeom prst="rect">
+            <a:avLst/>
+          </a:prstGeom>
+        </p:spPr>
+      </p:pic>
+    </p:spTree>
+    <p:extLst>
+      <p:ext uri="{BB962C8B-B14F-4D97-AF65-F5344CB8AC3E}">
+        <p14:creationId xmlns:p14="http://schemas.microsoft.com/office/powerpoint/2010/main" val="41401386"/>
+      </p:ext>
+    </p:extLst>
+  </p:cSld>
+  <p:clrMapOvr>
+    <a:masterClrMapping/>
+  </p:clrMapOvr>
+</p:sld>
+</file>
+
+<file path=ppt/slides/slide16.xml><?xml version="1.0" encoding="utf-8"?>
+<p:sld xmlns:a="http://schemas.openxmlformats.org/drawingml/2006/main" xmlns:r="http://schemas.openxmlformats.org/officeDocument/2006/relationships" xmlns:p="http://schemas.openxmlformats.org/presentationml/2006/main">
+  <p:cSld>
+    <p:spTree>
+      <p:nvGrpSpPr>
+        <p:cNvPr id="1" name=""/>
+        <p:cNvGrpSpPr/>
+        <p:nvPr/>
+      </p:nvGrpSpPr>
+      <p:grpSpPr>
+        <a:xfrm>
+          <a:off x="0" y="0"/>
+          <a:ext cx="0" cy="0"/>
+          <a:chOff x="0" y="0"/>
+          <a:chExt cx="0" cy="0"/>
+        </a:xfrm>
+      </p:grpSpPr>
+      <p:pic>
+        <p:nvPicPr>
+          <p:cNvPr id="4" name="Picture 3">
+            <a:extLst>
+              <a:ext uri="{FF2B5EF4-FFF2-40B4-BE49-F238E27FC236}">
+                <a16:creationId xmlns:a16="http://schemas.microsoft.com/office/drawing/2014/main" id="{2F80EA20-6BFE-4A7E-8B5D-961CCBAE7D19}"/>
+              </a:ext>
+            </a:extLst>
+          </p:cNvPr>
+          <p:cNvPicPr>
+            <a:picLocks noChangeAspect="1"/>
+          </p:cNvPicPr>
+          <p:nvPr/>
+        </p:nvPicPr>
+        <p:blipFill>
+          <a:blip r:embed="rId2"/>
+          <a:stretch>
+            <a:fillRect/>
+          </a:stretch>
+        </p:blipFill>
+        <p:spPr>
+          <a:xfrm>
+            <a:off x="0" y="859888"/>
+            <a:ext cx="4267137" cy="4283612"/>
+          </a:xfrm>
+          <a:prstGeom prst="rect">
+            <a:avLst/>
+          </a:prstGeom>
+        </p:spPr>
+      </p:pic>
+      <p:pic>
+        <p:nvPicPr>
+          <p:cNvPr id="7" name="Picture 6">
+            <a:extLst>
+              <a:ext uri="{FF2B5EF4-FFF2-40B4-BE49-F238E27FC236}">
+                <a16:creationId xmlns:a16="http://schemas.microsoft.com/office/drawing/2014/main" id="{123F4624-6CEF-4D8B-963B-8B0F57133675}"/>
+              </a:ext>
+            </a:extLst>
+          </p:cNvPr>
+          <p:cNvPicPr>
+            <a:picLocks noChangeAspect="1"/>
+          </p:cNvPicPr>
+          <p:nvPr/>
+        </p:nvPicPr>
+        <p:blipFill>
+          <a:blip r:embed="rId3"/>
+          <a:stretch>
+            <a:fillRect/>
+          </a:stretch>
+        </p:blipFill>
+        <p:spPr>
+          <a:xfrm>
+            <a:off x="4529716" y="0"/>
+            <a:ext cx="4614284" cy="5143500"/>
+          </a:xfrm>
+          <a:prstGeom prst="rect">
+            <a:avLst/>
+          </a:prstGeom>
+        </p:spPr>
+      </p:pic>
+      <p:sp>
+        <p:nvSpPr>
+          <p:cNvPr id="12" name="Title 1">
+            <a:extLst>
+              <a:ext uri="{FF2B5EF4-FFF2-40B4-BE49-F238E27FC236}">
+                <a16:creationId xmlns:a16="http://schemas.microsoft.com/office/drawing/2014/main" id="{4B6E70A0-6D50-434D-BBAB-9A4A55FDC41D}"/>
+              </a:ext>
+            </a:extLst>
+          </p:cNvPr>
+          <p:cNvSpPr txBox="1">
+            <a:spLocks/>
+          </p:cNvSpPr>
+          <p:nvPr/>
+        </p:nvSpPr>
+        <p:spPr>
+          <a:xfrm>
+            <a:off x="653921" y="154745"/>
+            <a:ext cx="3475171" cy="562708"/>
+          </a:xfrm>
+          <a:prstGeom prst="rect">
+            <a:avLst/>
+          </a:prstGeom>
+          <a:noFill/>
+          <a:ln>
+            <a:noFill/>
+          </a:ln>
+        </p:spPr>
+        <p:txBody>
+          <a:bodyPr spcFirstLastPara="1" wrap="square" lIns="91425" tIns="91425" rIns="91425" bIns="91425" anchor="t" anchorCtr="0">
+            <a:noAutofit/>
+          </a:bodyPr>
+          <a:lstStyle>
+            <a:defPPr marR="0" lvl="0" algn="l" rtl="0">
+              <a:lnSpc>
+                <a:spcPct val="100000"/>
+              </a:lnSpc>
+              <a:spcBef>
+                <a:spcPts val="0"/>
+              </a:spcBef>
+              <a:spcAft>
+                <a:spcPts val="0"/>
+              </a:spcAft>
+            </a:defPPr>
+            <a:lvl1pPr marR="0" lvl="0" algn="l" rtl="0">
+              <a:lnSpc>
+                <a:spcPct val="100000"/>
+              </a:lnSpc>
+              <a:spcBef>
+                <a:spcPts val="0"/>
+              </a:spcBef>
+              <a:spcAft>
+                <a:spcPts val="0"/>
+              </a:spcAft>
+              <a:buClr>
+                <a:schemeClr val="dk1"/>
+              </a:buClr>
+              <a:buSzPts val="2800"/>
+              <a:buFont typeface="Hind Siliguri"/>
+              <a:buNone/>
+              <a:defRPr sz="2800" b="1" i="0" u="none" strike="noStrike" cap="none">
+                <a:solidFill>
+                  <a:schemeClr val="dk1"/>
+                </a:solidFill>
+                <a:latin typeface="Hind Siliguri"/>
+                <a:ea typeface="Hind Siliguri"/>
+                <a:cs typeface="Hind Siliguri"/>
+                <a:sym typeface="Hind Siliguri"/>
+              </a:defRPr>
+            </a:lvl1pPr>
+            <a:lvl2pPr marR="0" lvl="1" algn="l" rtl="0">
+              <a:lnSpc>
+                <a:spcPct val="100000"/>
+              </a:lnSpc>
+              <a:spcBef>
+                <a:spcPts val="0"/>
+              </a:spcBef>
+              <a:spcAft>
+                <a:spcPts val="0"/>
+              </a:spcAft>
+              <a:buClr>
+                <a:schemeClr val="dk1"/>
+              </a:buClr>
+              <a:buSzPts val="2800"/>
+              <a:buFont typeface="Hind Siliguri"/>
+              <a:buNone/>
+              <a:defRPr sz="2800" b="1" i="0" u="none" strike="noStrike" cap="none">
+                <a:solidFill>
+                  <a:schemeClr val="dk1"/>
+                </a:solidFill>
+                <a:latin typeface="Hind Siliguri"/>
+                <a:ea typeface="Hind Siliguri"/>
+                <a:cs typeface="Hind Siliguri"/>
+                <a:sym typeface="Hind Siliguri"/>
+              </a:defRPr>
+            </a:lvl2pPr>
+            <a:lvl3pPr marR="0" lvl="2" algn="l" rtl="0">
+              <a:lnSpc>
+                <a:spcPct val="100000"/>
+              </a:lnSpc>
+              <a:spcBef>
+                <a:spcPts val="0"/>
+              </a:spcBef>
+              <a:spcAft>
+                <a:spcPts val="0"/>
+              </a:spcAft>
+              <a:buClr>
+                <a:schemeClr val="dk1"/>
+              </a:buClr>
+              <a:buSzPts val="2800"/>
+              <a:buFont typeface="Hind Siliguri"/>
+              <a:buNone/>
+              <a:defRPr sz="2800" b="1" i="0" u="none" strike="noStrike" cap="none">
+                <a:solidFill>
+                  <a:schemeClr val="dk1"/>
+                </a:solidFill>
+                <a:latin typeface="Hind Siliguri"/>
+                <a:ea typeface="Hind Siliguri"/>
+                <a:cs typeface="Hind Siliguri"/>
+                <a:sym typeface="Hind Siliguri"/>
+              </a:defRPr>
+            </a:lvl3pPr>
+            <a:lvl4pPr marR="0" lvl="3" algn="l" rtl="0">
+              <a:lnSpc>
+                <a:spcPct val="100000"/>
+              </a:lnSpc>
+              <a:spcBef>
+                <a:spcPts val="0"/>
+              </a:spcBef>
+              <a:spcAft>
+                <a:spcPts val="0"/>
+              </a:spcAft>
+              <a:buClr>
+                <a:schemeClr val="dk1"/>
+              </a:buClr>
+              <a:buSzPts val="2800"/>
+              <a:buFont typeface="Hind Siliguri"/>
+              <a:buNone/>
+              <a:defRPr sz="2800" b="1" i="0" u="none" strike="noStrike" cap="none">
+                <a:solidFill>
+                  <a:schemeClr val="dk1"/>
+                </a:solidFill>
+                <a:latin typeface="Hind Siliguri"/>
+                <a:ea typeface="Hind Siliguri"/>
+                <a:cs typeface="Hind Siliguri"/>
+                <a:sym typeface="Hind Siliguri"/>
+              </a:defRPr>
+            </a:lvl4pPr>
+            <a:lvl5pPr marR="0" lvl="4" algn="l" rtl="0">
+              <a:lnSpc>
+                <a:spcPct val="100000"/>
+              </a:lnSpc>
+              <a:spcBef>
+                <a:spcPts val="0"/>
+              </a:spcBef>
+              <a:spcAft>
+                <a:spcPts val="0"/>
+              </a:spcAft>
+              <a:buClr>
+                <a:schemeClr val="dk1"/>
+              </a:buClr>
+              <a:buSzPts val="2800"/>
+              <a:buFont typeface="Hind Siliguri"/>
+              <a:buNone/>
+              <a:defRPr sz="2800" b="1" i="0" u="none" strike="noStrike" cap="none">
+                <a:solidFill>
+                  <a:schemeClr val="dk1"/>
+                </a:solidFill>
+                <a:latin typeface="Hind Siliguri"/>
+                <a:ea typeface="Hind Siliguri"/>
+                <a:cs typeface="Hind Siliguri"/>
+                <a:sym typeface="Hind Siliguri"/>
+              </a:defRPr>
+            </a:lvl5pPr>
+            <a:lvl6pPr marR="0" lvl="5" algn="l" rtl="0">
+              <a:lnSpc>
+                <a:spcPct val="100000"/>
+              </a:lnSpc>
+              <a:spcBef>
+                <a:spcPts val="0"/>
+              </a:spcBef>
+              <a:spcAft>
+                <a:spcPts val="0"/>
+              </a:spcAft>
+              <a:buClr>
+                <a:schemeClr val="dk1"/>
+              </a:buClr>
+              <a:buSzPts val="2800"/>
+              <a:buFont typeface="Hind Siliguri"/>
+              <a:buNone/>
+              <a:defRPr sz="2800" b="1" i="0" u="none" strike="noStrike" cap="none">
+                <a:solidFill>
+                  <a:schemeClr val="dk1"/>
+                </a:solidFill>
+                <a:latin typeface="Hind Siliguri"/>
+                <a:ea typeface="Hind Siliguri"/>
+                <a:cs typeface="Hind Siliguri"/>
+                <a:sym typeface="Hind Siliguri"/>
+              </a:defRPr>
+            </a:lvl6pPr>
+            <a:lvl7pPr marR="0" lvl="6" algn="l" rtl="0">
+              <a:lnSpc>
+                <a:spcPct val="100000"/>
+              </a:lnSpc>
+              <a:spcBef>
+                <a:spcPts val="0"/>
+              </a:spcBef>
+              <a:spcAft>
+                <a:spcPts val="0"/>
+              </a:spcAft>
+              <a:buClr>
+                <a:schemeClr val="dk1"/>
+              </a:buClr>
+              <a:buSzPts val="2800"/>
+              <a:buFont typeface="Hind Siliguri"/>
+              <a:buNone/>
+              <a:defRPr sz="2800" b="1" i="0" u="none" strike="noStrike" cap="none">
+                <a:solidFill>
+                  <a:schemeClr val="dk1"/>
+                </a:solidFill>
+                <a:latin typeface="Hind Siliguri"/>
+                <a:ea typeface="Hind Siliguri"/>
+                <a:cs typeface="Hind Siliguri"/>
+                <a:sym typeface="Hind Siliguri"/>
+              </a:defRPr>
+            </a:lvl7pPr>
+            <a:lvl8pPr marR="0" lvl="7" algn="l" rtl="0">
+              <a:lnSpc>
+                <a:spcPct val="100000"/>
+              </a:lnSpc>
+              <a:spcBef>
+                <a:spcPts val="0"/>
+              </a:spcBef>
+              <a:spcAft>
+                <a:spcPts val="0"/>
+              </a:spcAft>
+              <a:buClr>
+                <a:schemeClr val="dk1"/>
+              </a:buClr>
+              <a:buSzPts val="2800"/>
+              <a:buFont typeface="Hind Siliguri"/>
+              <a:buNone/>
+              <a:defRPr sz="2800" b="1" i="0" u="none" strike="noStrike" cap="none">
+                <a:solidFill>
+                  <a:schemeClr val="dk1"/>
+                </a:solidFill>
+                <a:latin typeface="Hind Siliguri"/>
+                <a:ea typeface="Hind Siliguri"/>
+                <a:cs typeface="Hind Siliguri"/>
+                <a:sym typeface="Hind Siliguri"/>
+              </a:defRPr>
+            </a:lvl8pPr>
+            <a:lvl9pPr marR="0" lvl="8" algn="l" rtl="0">
+              <a:lnSpc>
+                <a:spcPct val="100000"/>
+              </a:lnSpc>
+              <a:spcBef>
+                <a:spcPts val="0"/>
+              </a:spcBef>
+              <a:spcAft>
+                <a:spcPts val="0"/>
+              </a:spcAft>
+              <a:buClr>
+                <a:schemeClr val="dk1"/>
+              </a:buClr>
+              <a:buSzPts val="2800"/>
+              <a:buFont typeface="Hind Siliguri"/>
+              <a:buNone/>
+              <a:defRPr sz="2800" b="1" i="0" u="none" strike="noStrike" cap="none">
+                <a:solidFill>
+                  <a:schemeClr val="dk1"/>
+                </a:solidFill>
+                <a:latin typeface="Hind Siliguri"/>
+                <a:ea typeface="Hind Siliguri"/>
+                <a:cs typeface="Hind Siliguri"/>
+                <a:sym typeface="Hind Siliguri"/>
+              </a:defRPr>
+            </a:lvl9pPr>
+          </a:lstStyle>
+          <a:p>
+            <a:r>
+              <a:rPr lang="en-US" dirty="0"/>
+              <a:t>GUI Design (cont.)</a:t>
+            </a:r>
+            <a:br>
+              <a:rPr lang="en-US" dirty="0"/>
+            </a:br>
+            <a:endParaRPr lang="en-US" dirty="0"/>
+          </a:p>
+        </p:txBody>
+      </p:sp>
+    </p:spTree>
+    <p:extLst>
+      <p:ext uri="{BB962C8B-B14F-4D97-AF65-F5344CB8AC3E}">
+        <p14:creationId xmlns:p14="http://schemas.microsoft.com/office/powerpoint/2010/main" val="27952023"/>
+      </p:ext>
+    </p:extLst>
+  </p:cSld>
+  <p:clrMapOvr>
+    <a:masterClrMapping/>
+  </p:clrMapOvr>
+</p:sld>
+</file>
+
+<file path=ppt/slides/slide17.xml><?xml version="1.0" encoding="utf-8"?>
+<p:sld xmlns:a="http://schemas.openxmlformats.org/drawingml/2006/main" xmlns:r="http://schemas.openxmlformats.org/officeDocument/2006/relationships" xmlns:p="http://schemas.openxmlformats.org/presentationml/2006/main">
+  <p:cSld>
+    <p:spTree>
+      <p:nvGrpSpPr>
+        <p:cNvPr id="1" name=""/>
+        <p:cNvGrpSpPr/>
+        <p:nvPr/>
+      </p:nvGrpSpPr>
+      <p:grpSpPr>
+        <a:xfrm>
+          <a:off x="0" y="0"/>
+          <a:ext cx="0" cy="0"/>
+          <a:chOff x="0" y="0"/>
+          <a:chExt cx="0" cy="0"/>
+        </a:xfrm>
+      </p:grpSpPr>
+      <p:pic>
+        <p:nvPicPr>
+          <p:cNvPr id="5" name="Picture 4">
+            <a:extLst>
+              <a:ext uri="{FF2B5EF4-FFF2-40B4-BE49-F238E27FC236}">
+                <a16:creationId xmlns:a16="http://schemas.microsoft.com/office/drawing/2014/main" id="{58386979-DB0B-4411-8B04-D26F88957025}"/>
+              </a:ext>
+            </a:extLst>
+          </p:cNvPr>
+          <p:cNvPicPr>
+            <a:picLocks noChangeAspect="1"/>
+          </p:cNvPicPr>
+          <p:nvPr/>
+        </p:nvPicPr>
+        <p:blipFill>
+          <a:blip r:embed="rId2"/>
+          <a:stretch>
+            <a:fillRect/>
+          </a:stretch>
+        </p:blipFill>
+        <p:spPr>
+          <a:xfrm>
+            <a:off x="4534428" y="-23739"/>
+            <a:ext cx="4609572" cy="5143500"/>
+          </a:xfrm>
+          <a:prstGeom prst="rect">
+            <a:avLst/>
+          </a:prstGeom>
+        </p:spPr>
+      </p:pic>
+      <p:sp>
+        <p:nvSpPr>
+          <p:cNvPr id="9" name="Title 1">
+            <a:extLst>
+              <a:ext uri="{FF2B5EF4-FFF2-40B4-BE49-F238E27FC236}">
+                <a16:creationId xmlns:a16="http://schemas.microsoft.com/office/drawing/2014/main" id="{380C29FA-3CEA-4BBB-B64F-4C96BAED587D}"/>
+              </a:ext>
+            </a:extLst>
+          </p:cNvPr>
+          <p:cNvSpPr>
+            <a:spLocks noGrp="1"/>
+          </p:cNvSpPr>
+          <p:nvPr>
+            <p:ph type="title"/>
+          </p:nvPr>
+        </p:nvSpPr>
+        <p:spPr>
+          <a:xfrm>
+            <a:off x="583583" y="2266657"/>
+            <a:ext cx="3475171" cy="562708"/>
+          </a:xfrm>
+        </p:spPr>
+        <p:txBody>
+          <a:bodyPr/>
+          <a:lstStyle/>
+          <a:p>
+            <a:r>
+              <a:rPr lang="en-US" dirty="0"/>
+              <a:t>GUI Design (cont.)</a:t>
+            </a:r>
+            <a:br>
+              <a:rPr lang="en-US" dirty="0"/>
+            </a:br>
+            <a:endParaRPr lang="en-US" dirty="0"/>
+          </a:p>
+        </p:txBody>
+      </p:sp>
+    </p:spTree>
+    <p:extLst>
+      <p:ext uri="{BB962C8B-B14F-4D97-AF65-F5344CB8AC3E}">
+        <p14:creationId xmlns:p14="http://schemas.microsoft.com/office/powerpoint/2010/main" val="409515904"/>
+      </p:ext>
+    </p:extLst>
+  </p:cSld>
+  <p:clrMapOvr>
+    <a:masterClrMapping/>
+  </p:clrMapOvr>
+</p:sld>
+</file>
+
+<file path=ppt/slides/slide18.xml><?xml version="1.0" encoding="utf-8"?>
+<p:sld xmlns:a="http://schemas.openxmlformats.org/drawingml/2006/main" xmlns:r="http://schemas.openxmlformats.org/officeDocument/2006/relationships" xmlns:p="http://schemas.openxmlformats.org/presentationml/2006/main">
+  <p:cSld>
+    <p:spTree>
+      <p:nvGrpSpPr>
+        <p:cNvPr id="1" name=""/>
+        <p:cNvGrpSpPr/>
+        <p:nvPr/>
+      </p:nvGrpSpPr>
+      <p:grpSpPr>
+        <a:xfrm>
+          <a:off x="0" y="0"/>
+          <a:ext cx="0" cy="0"/>
+          <a:chOff x="0" y="0"/>
+          <a:chExt cx="0" cy="0"/>
+        </a:xfrm>
+      </p:grpSpPr>
+      <p:pic>
+        <p:nvPicPr>
+          <p:cNvPr id="4" name="Picture 3">
+            <a:extLst>
+              <a:ext uri="{FF2B5EF4-FFF2-40B4-BE49-F238E27FC236}">
+                <a16:creationId xmlns:a16="http://schemas.microsoft.com/office/drawing/2014/main" id="{B8BF1E4F-C18A-436D-81C4-90670B74E6C3}"/>
+              </a:ext>
+            </a:extLst>
+          </p:cNvPr>
+          <p:cNvPicPr>
+            <a:picLocks noChangeAspect="1"/>
+          </p:cNvPicPr>
+          <p:nvPr/>
+        </p:nvPicPr>
+        <p:blipFill>
+          <a:blip r:embed="rId2"/>
+          <a:stretch>
+            <a:fillRect/>
+          </a:stretch>
+        </p:blipFill>
+        <p:spPr>
+          <a:xfrm>
+            <a:off x="0" y="568552"/>
+            <a:ext cx="9144000" cy="4574948"/>
+          </a:xfrm>
+          <a:prstGeom prst="rect">
+            <a:avLst/>
+          </a:prstGeom>
+        </p:spPr>
+      </p:pic>
+      <p:sp>
+        <p:nvSpPr>
+          <p:cNvPr id="10" name="Title 1">
+            <a:extLst>
+              <a:ext uri="{FF2B5EF4-FFF2-40B4-BE49-F238E27FC236}">
+                <a16:creationId xmlns:a16="http://schemas.microsoft.com/office/drawing/2014/main" id="{2C963A48-8654-49BD-8981-0C9175ACDCAA}"/>
+              </a:ext>
+            </a:extLst>
+          </p:cNvPr>
+          <p:cNvSpPr>
+            <a:spLocks noGrp="1"/>
+          </p:cNvSpPr>
+          <p:nvPr>
+            <p:ph type="title"/>
+          </p:nvPr>
+        </p:nvSpPr>
+        <p:spPr>
+          <a:xfrm>
+            <a:off x="2974150" y="0"/>
+            <a:ext cx="3195699" cy="573088"/>
+          </a:xfrm>
+        </p:spPr>
+        <p:txBody>
+          <a:bodyPr/>
+          <a:lstStyle/>
+          <a:p>
+            <a:r>
+              <a:rPr lang="en-US" dirty="0"/>
+              <a:t>GUI Design (cont.)</a:t>
+            </a:r>
+            <a:br>
+              <a:rPr lang="en-US" dirty="0"/>
+            </a:br>
+            <a:endParaRPr lang="en-US" dirty="0"/>
+          </a:p>
+        </p:txBody>
+      </p:sp>
+    </p:spTree>
+    <p:extLst>
+      <p:ext uri="{BB962C8B-B14F-4D97-AF65-F5344CB8AC3E}">
+        <p14:creationId xmlns:p14="http://schemas.microsoft.com/office/powerpoint/2010/main" val="553588351"/>
+      </p:ext>
+    </p:extLst>
+  </p:cSld>
+  <p:clrMapOvr>
+    <a:masterClrMapping/>
+  </p:clrMapOvr>
+</p:sld>
+</file>
+
+<file path=ppt/slides/slide19.xml><?xml version="1.0" encoding="utf-8"?>
+<p:sld xmlns:a="http://schemas.openxmlformats.org/drawingml/2006/main" xmlns:r="http://schemas.openxmlformats.org/officeDocument/2006/relationships" xmlns:p="http://schemas.openxmlformats.org/presentationml/2006/main">
+  <p:cSld>
+    <p:spTree>
+      <p:nvGrpSpPr>
+        <p:cNvPr id="1" name=""/>
+        <p:cNvGrpSpPr/>
+        <p:nvPr/>
+      </p:nvGrpSpPr>
+      <p:grpSpPr>
+        <a:xfrm>
+          <a:off x="0" y="0"/>
+          <a:ext cx="0" cy="0"/>
+          <a:chOff x="0" y="0"/>
+          <a:chExt cx="0" cy="0"/>
+        </a:xfrm>
+      </p:grpSpPr>
+      <p:pic>
+        <p:nvPicPr>
+          <p:cNvPr id="4" name="Picture 3">
+            <a:extLst>
+              <a:ext uri="{FF2B5EF4-FFF2-40B4-BE49-F238E27FC236}">
+                <a16:creationId xmlns:a16="http://schemas.microsoft.com/office/drawing/2014/main" id="{1371FC90-6527-4699-A16E-8C0A1D599B25}"/>
+              </a:ext>
+            </a:extLst>
+          </p:cNvPr>
+          <p:cNvPicPr>
+            <a:picLocks noChangeAspect="1"/>
+          </p:cNvPicPr>
+          <p:nvPr/>
+        </p:nvPicPr>
+        <p:blipFill>
+          <a:blip r:embed="rId2"/>
+          <a:stretch>
+            <a:fillRect/>
+          </a:stretch>
+        </p:blipFill>
+        <p:spPr>
+          <a:xfrm>
+            <a:off x="0" y="547872"/>
+            <a:ext cx="9144000" cy="4595628"/>
+          </a:xfrm>
+          <a:prstGeom prst="rect">
+            <a:avLst/>
+          </a:prstGeom>
+        </p:spPr>
+      </p:pic>
+      <p:sp>
+        <p:nvSpPr>
+          <p:cNvPr id="2" name="Title 1">
+            <a:extLst>
+              <a:ext uri="{FF2B5EF4-FFF2-40B4-BE49-F238E27FC236}">
+                <a16:creationId xmlns:a16="http://schemas.microsoft.com/office/drawing/2014/main" id="{E37FEC9E-5459-483A-AC85-C4740C54C207}"/>
+              </a:ext>
+            </a:extLst>
+          </p:cNvPr>
+          <p:cNvSpPr>
+            <a:spLocks noGrp="1"/>
+          </p:cNvSpPr>
+          <p:nvPr>
+            <p:ph type="title"/>
+          </p:nvPr>
+        </p:nvSpPr>
+        <p:spPr>
+          <a:xfrm>
+            <a:off x="2873100" y="-14836"/>
+            <a:ext cx="3397799" cy="562708"/>
+          </a:xfrm>
+        </p:spPr>
+        <p:txBody>
+          <a:bodyPr/>
+          <a:lstStyle/>
+          <a:p>
+            <a:r>
+              <a:rPr lang="en-US" dirty="0"/>
+              <a:t>GUI Design (cont.)</a:t>
+            </a:r>
+            <a:br>
+              <a:rPr lang="en-US" dirty="0"/>
+            </a:br>
+            <a:endParaRPr lang="en-US" dirty="0"/>
+          </a:p>
+        </p:txBody>
+      </p:sp>
+    </p:spTree>
+    <p:extLst>
+      <p:ext uri="{BB962C8B-B14F-4D97-AF65-F5344CB8AC3E}">
+        <p14:creationId xmlns:p14="http://schemas.microsoft.com/office/powerpoint/2010/main" val="3048992838"/>
+      </p:ext>
+    </p:extLst>
+  </p:cSld>
+  <p:clrMapOvr>
+    <a:masterClrMapping/>
+  </p:clrMapOvr>
+</p:sld>
+</file>
+
+<file path=ppt/slides/slide2.xml><?xml version="1.0" encoding="utf-8"?>
+<p:sld xmlns:a="http://schemas.openxmlformats.org/drawingml/2006/main" xmlns:r="http://schemas.openxmlformats.org/officeDocument/2006/relationships" xmlns:p="http://schemas.openxmlformats.org/presentationml/2006/main">
+  <p:cSld>
+    <p:spTree>
+      <p:nvGrpSpPr>
+        <p:cNvPr id="1" name="Shape 329"/>
+        <p:cNvGrpSpPr/>
+        <p:nvPr/>
+      </p:nvGrpSpPr>
+      <p:grpSpPr>
+        <a:xfrm>
+          <a:off x="0" y="0"/>
+          <a:ext cx="0" cy="0"/>
+          <a:chOff x="0" y="0"/>
+          <a:chExt cx="0" cy="0"/>
+        </a:xfrm>
+      </p:grpSpPr>
+      <p:sp>
+        <p:nvSpPr>
+          <p:cNvPr id="330" name="Google Shape;330;p29"/>
+          <p:cNvSpPr txBox="1">
+            <a:spLocks noGrp="1"/>
+          </p:cNvSpPr>
+          <p:nvPr>
+            <p:ph type="title"/>
+          </p:nvPr>
+        </p:nvSpPr>
+        <p:spPr>
+          <a:xfrm>
+            <a:off x="913251" y="674248"/>
+            <a:ext cx="7717500" cy="572700"/>
+          </a:xfrm>
+          <a:prstGeom prst="rect">
+            <a:avLst/>
+          </a:prstGeom>
+        </p:spPr>
+        <p:txBody>
+          <a:bodyPr spcFirstLastPara="1" wrap="square" lIns="91425" tIns="91425" rIns="91425" bIns="91425" anchor="t" anchorCtr="0">
+            <a:noAutofit/>
+          </a:bodyPr>
+          <a:lstStyle/>
+          <a:p>
+            <a:pPr marL="0" lvl="0" indent="0" algn="l" rtl="0">
+              <a:spcBef>
+                <a:spcPts val="0"/>
+              </a:spcBef>
+              <a:spcAft>
+                <a:spcPts val="0"/>
+              </a:spcAft>
+              <a:buNone/>
+            </a:pPr>
+            <a:r>
+              <a:rPr lang="en" dirty="0"/>
+              <a:t>CONTENTS</a:t>
+            </a:r>
+            <a:endParaRPr dirty="0"/>
+          </a:p>
+        </p:txBody>
+      </p:sp>
+      <p:sp>
+        <p:nvSpPr>
+          <p:cNvPr id="331" name="Google Shape;331;p29"/>
+          <p:cNvSpPr txBox="1">
+            <a:spLocks noGrp="1"/>
+          </p:cNvSpPr>
+          <p:nvPr>
+            <p:ph type="body" idx="1"/>
+          </p:nvPr>
+        </p:nvSpPr>
+        <p:spPr>
+          <a:xfrm>
+            <a:off x="913251" y="1246948"/>
+            <a:ext cx="7717500" cy="3525075"/>
+          </a:xfrm>
+          <a:prstGeom prst="rect">
+            <a:avLst/>
+          </a:prstGeom>
+        </p:spPr>
+        <p:txBody>
+          <a:bodyPr spcFirstLastPara="1" wrap="square" lIns="91425" tIns="91425" rIns="91425" bIns="91425" anchor="t" anchorCtr="0">
+            <a:noAutofit/>
+          </a:bodyPr>
+          <a:lstStyle/>
+          <a:p>
+            <a:pPr lvl="0" indent="-457200" algn="l" rtl="0">
+              <a:spcBef>
+                <a:spcPts val="0"/>
+              </a:spcBef>
+              <a:spcAft>
+                <a:spcPts val="0"/>
+              </a:spcAft>
+              <a:buSzPct val="100000"/>
+              <a:buFont typeface="+mj-lt"/>
+              <a:buAutoNum type="arabicPeriod"/>
+            </a:pPr>
+            <a:r>
+              <a:rPr lang="en-US" sz="2400" dirty="0"/>
+              <a:t>Introduction</a:t>
+            </a:r>
+            <a:endParaRPr lang="en-US" sz="1400" dirty="0"/>
+          </a:p>
+          <a:p>
+            <a:pPr lvl="0" indent="-457200" algn="l" rtl="0">
+              <a:spcBef>
+                <a:spcPts val="0"/>
+              </a:spcBef>
+              <a:spcAft>
+                <a:spcPts val="0"/>
+              </a:spcAft>
+              <a:buSzPct val="100000"/>
+              <a:buFont typeface="+mj-lt"/>
+              <a:buAutoNum type="arabicPeriod"/>
+            </a:pPr>
+            <a:r>
+              <a:rPr lang="en-US" sz="2400" dirty="0"/>
+              <a:t>Game Concepts</a:t>
+            </a:r>
+            <a:endParaRPr lang="en-US" sz="1400" dirty="0"/>
+          </a:p>
+          <a:p>
+            <a:pPr lvl="0" indent="-457200" algn="l" rtl="0">
+              <a:spcBef>
+                <a:spcPts val="0"/>
+              </a:spcBef>
+              <a:spcAft>
+                <a:spcPts val="0"/>
+              </a:spcAft>
+              <a:buSzPct val="100000"/>
+              <a:buFont typeface="+mj-lt"/>
+              <a:buAutoNum type="arabicPeriod"/>
+            </a:pPr>
+            <a:r>
+              <a:rPr lang="en-US" sz="2400" dirty="0"/>
+              <a:t>Main Features</a:t>
+            </a:r>
+          </a:p>
+          <a:p>
+            <a:pPr lvl="0" indent="-457200" algn="l" rtl="0">
+              <a:spcBef>
+                <a:spcPts val="0"/>
+              </a:spcBef>
+              <a:spcAft>
+                <a:spcPts val="0"/>
+              </a:spcAft>
+              <a:buSzPct val="100000"/>
+              <a:buFont typeface="+mj-lt"/>
+              <a:buAutoNum type="arabicPeriod"/>
+            </a:pPr>
+            <a:r>
+              <a:rPr lang="en-US" sz="2400" dirty="0"/>
+              <a:t>Architecture</a:t>
+            </a:r>
+          </a:p>
+          <a:p>
+            <a:pPr lvl="0" indent="-457200" algn="l" rtl="0">
+              <a:spcBef>
+                <a:spcPts val="0"/>
+              </a:spcBef>
+              <a:spcAft>
+                <a:spcPts val="0"/>
+              </a:spcAft>
+              <a:buSzPct val="100000"/>
+              <a:buFont typeface="+mj-lt"/>
+              <a:buAutoNum type="arabicPeriod"/>
+            </a:pPr>
+            <a:r>
+              <a:rPr lang="en-US" sz="2400" dirty="0"/>
+              <a:t>Application Protocol Design</a:t>
+            </a:r>
+          </a:p>
+          <a:p>
+            <a:pPr lvl="0" indent="-457200" algn="l" rtl="0">
+              <a:spcBef>
+                <a:spcPts val="0"/>
+              </a:spcBef>
+              <a:spcAft>
+                <a:spcPts val="0"/>
+              </a:spcAft>
+              <a:buSzPct val="100000"/>
+              <a:buFont typeface="+mj-lt"/>
+              <a:buAutoNum type="arabicPeriod"/>
+            </a:pPr>
+            <a:r>
+              <a:rPr lang="en-US" sz="2400" dirty="0"/>
+              <a:t>GUI design</a:t>
+            </a:r>
+          </a:p>
+          <a:p>
+            <a:pPr lvl="0" indent="-457200" algn="l" rtl="0">
+              <a:spcBef>
+                <a:spcPts val="0"/>
+              </a:spcBef>
+              <a:spcAft>
+                <a:spcPts val="0"/>
+              </a:spcAft>
+              <a:buSzPct val="100000"/>
+              <a:buFont typeface="+mj-lt"/>
+              <a:buAutoNum type="arabicPeriod"/>
+            </a:pPr>
+            <a:endParaRPr lang="en-US" sz="2400" dirty="0"/>
+          </a:p>
+          <a:p>
+            <a:pPr lvl="0" indent="-457200" algn="l" rtl="0">
+              <a:spcBef>
+                <a:spcPts val="0"/>
+              </a:spcBef>
+              <a:spcAft>
+                <a:spcPts val="0"/>
+              </a:spcAft>
+              <a:buSzPct val="100000"/>
+              <a:buFont typeface="+mj-lt"/>
+              <a:buAutoNum type="arabicPeriod"/>
+            </a:pPr>
+            <a:endParaRPr lang="en-US" sz="2400" dirty="0"/>
+          </a:p>
+          <a:p>
+            <a:pPr lvl="0" indent="-457200" algn="l" rtl="0">
+              <a:spcBef>
+                <a:spcPts val="0"/>
+              </a:spcBef>
+              <a:spcAft>
+                <a:spcPts val="0"/>
+              </a:spcAft>
+              <a:buSzPct val="100000"/>
+              <a:buFont typeface="+mj-lt"/>
+              <a:buAutoNum type="arabicPeriod"/>
+            </a:pPr>
+            <a:endParaRPr lang="en-US" sz="2400" dirty="0"/>
+          </a:p>
+          <a:p>
+            <a:pPr lvl="0" indent="-457200" algn="l" rtl="0">
+              <a:spcBef>
+                <a:spcPts val="0"/>
+              </a:spcBef>
+              <a:spcAft>
+                <a:spcPts val="0"/>
+              </a:spcAft>
+              <a:buSzPct val="100000"/>
+              <a:buFont typeface="+mj-lt"/>
+              <a:buAutoNum type="arabicPeriod"/>
+            </a:pPr>
+            <a:endParaRPr lang="en-US" sz="2400" dirty="0"/>
+          </a:p>
+          <a:p>
+            <a:pPr lvl="0" indent="-457200" algn="l" rtl="0">
+              <a:spcBef>
+                <a:spcPts val="0"/>
+              </a:spcBef>
+              <a:spcAft>
+                <a:spcPts val="0"/>
+              </a:spcAft>
+              <a:buSzPct val="100000"/>
+              <a:buFont typeface="+mj-lt"/>
+              <a:buAutoNum type="arabicPeriod"/>
+            </a:pPr>
+            <a:endParaRPr lang="en-US" sz="2400" dirty="0"/>
+          </a:p>
+          <a:p>
+            <a:pPr lvl="0" indent="-457200" algn="l" rtl="0">
+              <a:spcBef>
+                <a:spcPts val="0"/>
+              </a:spcBef>
+              <a:spcAft>
+                <a:spcPts val="0"/>
+              </a:spcAft>
+              <a:buSzPct val="100000"/>
+              <a:buFont typeface="+mj-lt"/>
+              <a:buAutoNum type="arabicPeriod"/>
+            </a:pPr>
+            <a:endParaRPr lang="en-US" sz="2400" dirty="0"/>
+          </a:p>
+        </p:txBody>
+      </p:sp>
+    </p:spTree>
+  </p:cSld>
+  <p:clrMapOvr>
+    <a:masterClrMapping/>
+  </p:clrMapOvr>
+  <mc:AlternateContent xmlns:mc="http://schemas.openxmlformats.org/markup-compatibility/2006" xmlns:p14="http://schemas.microsoft.com/office/powerpoint/2010/main">
+    <mc:Choice Requires="p14">
+      <p:transition spd="slow" p14:dur="1500">
+        <p:random/>
+      </p:transition>
+    </mc:Choice>
+    <mc:Fallback xmlns="">
+      <p:transition spd="slow">
+        <p:random/>
+      </p:transition>
+    </mc:Fallback>
+  </mc:AlternateContent>
+</p:sld>
+</file>
+
+<file path=ppt/slides/slide20.xml><?xml version="1.0" encoding="utf-8"?>
 <p:sld xmlns:a="http://schemas.openxmlformats.org/drawingml/2006/main" xmlns:r="http://schemas.openxmlformats.org/officeDocument/2006/relationships" xmlns:p="http://schemas.openxmlformats.org/presentationml/2006/main">
   <p:cSld>
     <p:spTree>
@@ -22314,299 +23410,6 @@
           </p:txBody>
         </p:sp>
       </p:grpSp>
-    </p:spTree>
-  </p:cSld>
-  <p:clrMapOvr>
-    <a:masterClrMapping/>
-  </p:clrMapOvr>
-  <mc:AlternateContent xmlns:mc="http://schemas.openxmlformats.org/markup-compatibility/2006" xmlns:p14="http://schemas.microsoft.com/office/powerpoint/2010/main">
-    <mc:Choice Requires="p14">
-      <p:transition spd="slow" p14:dur="1500">
-        <p:random/>
-      </p:transition>
-    </mc:Choice>
-    <mc:Fallback xmlns="">
-      <p:transition spd="slow">
-        <p:random/>
-      </p:transition>
-    </mc:Fallback>
-  </mc:AlternateContent>
-</p:sld>
-</file>
-
-<file path=ppt/slides/slide2.xml><?xml version="1.0" encoding="utf-8"?>
-<p:sld xmlns:a="http://schemas.openxmlformats.org/drawingml/2006/main" xmlns:r="http://schemas.openxmlformats.org/officeDocument/2006/relationships" xmlns:p="http://schemas.openxmlformats.org/presentationml/2006/main">
-  <p:cSld>
-    <p:spTree>
-      <p:nvGrpSpPr>
-        <p:cNvPr id="1" name="Shape 329"/>
-        <p:cNvGrpSpPr/>
-        <p:nvPr/>
-      </p:nvGrpSpPr>
-      <p:grpSpPr>
-        <a:xfrm>
-          <a:off x="0" y="0"/>
-          <a:ext cx="0" cy="0"/>
-          <a:chOff x="0" y="0"/>
-          <a:chExt cx="0" cy="0"/>
-        </a:xfrm>
-      </p:grpSpPr>
-      <p:sp>
-        <p:nvSpPr>
-          <p:cNvPr id="330" name="Google Shape;330;p29"/>
-          <p:cNvSpPr txBox="1">
-            <a:spLocks noGrp="1"/>
-          </p:cNvSpPr>
-          <p:nvPr>
-            <p:ph type="title"/>
-          </p:nvPr>
-        </p:nvSpPr>
-        <p:spPr>
-          <a:xfrm>
-            <a:off x="913251" y="674248"/>
-            <a:ext cx="7717500" cy="572700"/>
-          </a:xfrm>
-          <a:prstGeom prst="rect">
-            <a:avLst/>
-          </a:prstGeom>
-        </p:spPr>
-        <p:txBody>
-          <a:bodyPr spcFirstLastPara="1" wrap="square" lIns="91425" tIns="91425" rIns="91425" bIns="91425" anchor="t" anchorCtr="0">
-            <a:noAutofit/>
-          </a:bodyPr>
-          <a:lstStyle/>
-          <a:p>
-            <a:pPr marL="0" lvl="0" indent="0" algn="l" rtl="0">
-              <a:spcBef>
-                <a:spcPts val="0"/>
-              </a:spcBef>
-              <a:spcAft>
-                <a:spcPts val="0"/>
-              </a:spcAft>
-              <a:buNone/>
-            </a:pPr>
-            <a:r>
-              <a:rPr lang="en" dirty="0"/>
-              <a:t>CONTENTS</a:t>
-            </a:r>
-            <a:endParaRPr dirty="0"/>
-          </a:p>
-        </p:txBody>
-      </p:sp>
-      <p:sp>
-        <p:nvSpPr>
-          <p:cNvPr id="331" name="Google Shape;331;p29"/>
-          <p:cNvSpPr txBox="1">
-            <a:spLocks noGrp="1"/>
-          </p:cNvSpPr>
-          <p:nvPr>
-            <p:ph type="body" idx="1"/>
-          </p:nvPr>
-        </p:nvSpPr>
-        <p:spPr>
-          <a:xfrm>
-            <a:off x="913251" y="1246948"/>
-            <a:ext cx="7717500" cy="3525075"/>
-          </a:xfrm>
-          <a:prstGeom prst="rect">
-            <a:avLst/>
-          </a:prstGeom>
-        </p:spPr>
-        <p:txBody>
-          <a:bodyPr spcFirstLastPara="1" wrap="square" lIns="91425" tIns="91425" rIns="91425" bIns="91425" anchor="t" anchorCtr="0">
-            <a:noAutofit/>
-          </a:bodyPr>
-          <a:lstStyle/>
-          <a:p>
-            <a:pPr lvl="0" indent="-457200" algn="l" rtl="0">
-              <a:spcBef>
-                <a:spcPts val="0"/>
-              </a:spcBef>
-              <a:spcAft>
-                <a:spcPts val="0"/>
-              </a:spcAft>
-              <a:buSzPct val="100000"/>
-              <a:buFont typeface="+mj-lt"/>
-              <a:buAutoNum type="arabicPeriod"/>
-            </a:pPr>
-            <a:r>
-              <a:rPr lang="en-US" sz="2400" dirty="0"/>
-              <a:t>Introduction</a:t>
-            </a:r>
-            <a:endParaRPr lang="en-US" sz="1400" dirty="0"/>
-          </a:p>
-          <a:p>
-            <a:pPr lvl="0" indent="-457200" algn="l" rtl="0">
-              <a:spcBef>
-                <a:spcPts val="0"/>
-              </a:spcBef>
-              <a:spcAft>
-                <a:spcPts val="0"/>
-              </a:spcAft>
-              <a:buSzPct val="100000"/>
-              <a:buFont typeface="+mj-lt"/>
-              <a:buAutoNum type="arabicPeriod"/>
-            </a:pPr>
-            <a:r>
-              <a:rPr lang="en-US" sz="2400" dirty="0"/>
-              <a:t>Game Concepts</a:t>
-            </a:r>
-            <a:endParaRPr lang="en-US" sz="1400" dirty="0"/>
-          </a:p>
-          <a:p>
-            <a:pPr lvl="0" indent="-457200" algn="l" rtl="0">
-              <a:spcBef>
-                <a:spcPts val="0"/>
-              </a:spcBef>
-              <a:spcAft>
-                <a:spcPts val="0"/>
-              </a:spcAft>
-              <a:buSzPct val="100000"/>
-              <a:buFont typeface="+mj-lt"/>
-              <a:buAutoNum type="arabicPeriod"/>
-            </a:pPr>
-            <a:r>
-              <a:rPr lang="en-US" sz="2400" dirty="0"/>
-              <a:t>Main Features</a:t>
-            </a:r>
-          </a:p>
-          <a:p>
-            <a:pPr lvl="0" indent="-457200" algn="l" rtl="0">
-              <a:spcBef>
-                <a:spcPts val="0"/>
-              </a:spcBef>
-              <a:spcAft>
-                <a:spcPts val="0"/>
-              </a:spcAft>
-              <a:buSzPct val="100000"/>
-              <a:buFont typeface="+mj-lt"/>
-              <a:buAutoNum type="arabicPeriod"/>
-            </a:pPr>
-            <a:r>
-              <a:rPr lang="en-US" sz="2400" dirty="0"/>
-              <a:t>Architecture</a:t>
-            </a:r>
-          </a:p>
-          <a:p>
-            <a:pPr lvl="0" indent="-457200" algn="l" rtl="0">
-              <a:spcBef>
-                <a:spcPts val="0"/>
-              </a:spcBef>
-              <a:spcAft>
-                <a:spcPts val="0"/>
-              </a:spcAft>
-              <a:buSzPct val="100000"/>
-              <a:buFont typeface="+mj-lt"/>
-              <a:buAutoNum type="arabicPeriod"/>
-            </a:pPr>
-            <a:r>
-              <a:rPr lang="en-US" sz="2400" dirty="0"/>
-              <a:t>Application Protocol Design</a:t>
-            </a:r>
-          </a:p>
-          <a:p>
-            <a:pPr lvl="0" indent="-457200" algn="l" rtl="0">
-              <a:spcBef>
-                <a:spcPts val="0"/>
-              </a:spcBef>
-              <a:spcAft>
-                <a:spcPts val="0"/>
-              </a:spcAft>
-              <a:buSzPct val="100000"/>
-              <a:buFont typeface="+mj-lt"/>
-              <a:buAutoNum type="arabicPeriod"/>
-            </a:pPr>
-            <a:r>
-              <a:rPr lang="en-US" sz="2400" dirty="0"/>
-              <a:t>GUI design</a:t>
-            </a:r>
-          </a:p>
-          <a:p>
-            <a:pPr lvl="0" indent="-457200" algn="l" rtl="0">
-              <a:spcBef>
-                <a:spcPts val="0"/>
-              </a:spcBef>
-              <a:spcAft>
-                <a:spcPts val="0"/>
-              </a:spcAft>
-              <a:buSzPct val="100000"/>
-              <a:buFont typeface="+mj-lt"/>
-              <a:buAutoNum type="arabicPeriod"/>
-            </a:pPr>
-            <a:endParaRPr lang="en-US" sz="2400" dirty="0"/>
-          </a:p>
-          <a:p>
-            <a:pPr lvl="0" indent="-457200" algn="l" rtl="0">
-              <a:spcBef>
-                <a:spcPts val="0"/>
-              </a:spcBef>
-              <a:spcAft>
-                <a:spcPts val="0"/>
-              </a:spcAft>
-              <a:buSzPct val="100000"/>
-              <a:buFont typeface="+mj-lt"/>
-              <a:buAutoNum type="arabicPeriod"/>
-            </a:pPr>
-            <a:endParaRPr lang="en-US" sz="2400" dirty="0"/>
-          </a:p>
-          <a:p>
-            <a:pPr lvl="0" indent="-457200" algn="l" rtl="0">
-              <a:spcBef>
-                <a:spcPts val="0"/>
-              </a:spcBef>
-              <a:spcAft>
-                <a:spcPts val="0"/>
-              </a:spcAft>
-              <a:buSzPct val="100000"/>
-              <a:buFont typeface="+mj-lt"/>
-              <a:buAutoNum type="arabicPeriod"/>
-            </a:pPr>
-            <a:endParaRPr lang="en-US" sz="2400" dirty="0"/>
-          </a:p>
-          <a:p>
-            <a:pPr lvl="0" indent="-457200" algn="l" rtl="0">
-              <a:spcBef>
-                <a:spcPts val="0"/>
-              </a:spcBef>
-              <a:spcAft>
-                <a:spcPts val="0"/>
-              </a:spcAft>
-              <a:buSzPct val="100000"/>
-              <a:buFont typeface="+mj-lt"/>
-              <a:buAutoNum type="arabicPeriod"/>
-            </a:pPr>
-            <a:endParaRPr lang="en-US" sz="2400" dirty="0"/>
-          </a:p>
-          <a:p>
-            <a:pPr lvl="0" indent="-457200" algn="l" rtl="0">
-              <a:spcBef>
-                <a:spcPts val="0"/>
-              </a:spcBef>
-              <a:spcAft>
-                <a:spcPts val="0"/>
-              </a:spcAft>
-              <a:buSzPct val="100000"/>
-              <a:buFont typeface="+mj-lt"/>
-              <a:buAutoNum type="arabicPeriod"/>
-            </a:pPr>
-            <a:endParaRPr lang="en-US" sz="2400" dirty="0"/>
-          </a:p>
-          <a:p>
-            <a:pPr lvl="0" indent="-457200" algn="l" rtl="0">
-              <a:spcBef>
-                <a:spcPts val="0"/>
-              </a:spcBef>
-              <a:spcAft>
-                <a:spcPts val="0"/>
-              </a:spcAft>
-              <a:buSzPct val="100000"/>
-              <a:buFont typeface="+mj-lt"/>
-              <a:buAutoNum type="arabicPeriod"/>
-            </a:pPr>
-            <a:endParaRPr lang="en-US" sz="2400" dirty="0"/>
-          </a:p>
-        </p:txBody>
-      </p:sp>
     </p:spTree>
   </p:cSld>
   <p:clrMapOvr>
